--- a/documentation/university-requisite/proposal-presentation/Nature Inspired CNNs Optimization.pptx
+++ b/documentation/university-requisite/proposal-presentation/Nature Inspired CNNs Optimization.pptx
@@ -6056,6 +6056,14 @@
 <file path=ppt/slides/slide10.xml><?xml version="1.0" encoding="utf-8"?>
 <p:sld xmlns:a="http://schemas.openxmlformats.org/drawingml/2006/main" xmlns:r="http://schemas.openxmlformats.org/officeDocument/2006/relationships" xmlns:p="http://schemas.openxmlformats.org/presentationml/2006/main">
   <p:cSld>
+    <p:bg>
+      <p:bgPr>
+        <a:solidFill>
+          <a:schemeClr val="tx1"/>
+        </a:solidFill>
+        <a:effectLst/>
+      </p:bgPr>
+    </p:bg>
     <p:spTree>
       <p:nvGrpSpPr>
         <p:cNvPr id="1" name=""/>
@@ -6100,6 +6108,58 @@
           </a:prstGeom>
         </p:spPr>
       </p:pic>
+      <p:sp>
+        <p:nvSpPr>
+          <p:cNvPr id="3" name="Rectangle 2">
+            <a:extLst>
+              <a:ext uri="{FF2B5EF4-FFF2-40B4-BE49-F238E27FC236}">
+                <a16:creationId xmlns:a16="http://schemas.microsoft.com/office/drawing/2014/main" id="{0592B4E3-05C3-4D5B-8C75-C1E37ED094FA}"/>
+              </a:ext>
+            </a:extLst>
+          </p:cNvPr>
+          <p:cNvSpPr/>
+          <p:nvPr/>
+        </p:nvSpPr>
+        <p:spPr>
+          <a:xfrm>
+            <a:off x="8056605" y="5375189"/>
+            <a:ext cx="3571103" cy="1260389"/>
+          </a:xfrm>
+          <a:prstGeom prst="rect">
+            <a:avLst/>
+          </a:prstGeom>
+          <a:solidFill>
+            <a:schemeClr val="tx1"/>
+          </a:solidFill>
+          <a:ln>
+            <a:noFill/>
+          </a:ln>
+        </p:spPr>
+        <p:style>
+          <a:lnRef idx="2">
+            <a:schemeClr val="accent1">
+              <a:shade val="50000"/>
+            </a:schemeClr>
+          </a:lnRef>
+          <a:fillRef idx="1">
+            <a:schemeClr val="accent1"/>
+          </a:fillRef>
+          <a:effectRef idx="0">
+            <a:schemeClr val="accent1"/>
+          </a:effectRef>
+          <a:fontRef idx="minor">
+            <a:schemeClr val="lt1"/>
+          </a:fontRef>
+        </p:style>
+        <p:txBody>
+          <a:bodyPr rtlCol="0" anchor="ctr"/>
+          <a:lstStyle/>
+          <a:p>
+            <a:pPr algn="ctr"/>
+            <a:endParaRPr lang="en-US"/>
+          </a:p>
+        </p:txBody>
+      </p:sp>
     </p:spTree>
     <p:extLst>
       <p:ext uri="{BB962C8B-B14F-4D97-AF65-F5344CB8AC3E}">
@@ -6493,6 +6553,281 @@
           </a:p>
         </p:txBody>
       </p:sp>
+      <p:sp>
+        <p:nvSpPr>
+          <p:cNvPr id="4" name="Content Placeholder 2">
+            <a:extLst>
+              <a:ext uri="{FF2B5EF4-FFF2-40B4-BE49-F238E27FC236}">
+                <a16:creationId xmlns:a16="http://schemas.microsoft.com/office/drawing/2014/main" id="{AB66A8DA-59CF-45F4-8575-0FD2DB1042C7}"/>
+              </a:ext>
+            </a:extLst>
+          </p:cNvPr>
+          <p:cNvSpPr txBox="1">
+            <a:spLocks/>
+          </p:cNvSpPr>
+          <p:nvPr/>
+        </p:nvSpPr>
+        <p:spPr>
+          <a:xfrm>
+            <a:off x="1005439" y="1371600"/>
+            <a:ext cx="8946541" cy="1400530"/>
+          </a:xfrm>
+          <a:prstGeom prst="rect">
+            <a:avLst/>
+          </a:prstGeom>
+        </p:spPr>
+        <p:txBody>
+          <a:bodyPr vert="horz" lIns="91440" tIns="45720" rIns="91440" bIns="45720" rtlCol="0">
+            <a:normAutofit/>
+          </a:bodyPr>
+          <a:lstStyle>
+            <a:lvl1pPr marL="342900" indent="-342900" algn="l" defTabSz="457200" rtl="0" eaLnBrk="1" latinLnBrk="0" hangingPunct="1">
+              <a:spcBef>
+                <a:spcPts val="1000"/>
+              </a:spcBef>
+              <a:spcAft>
+                <a:spcPts val="0"/>
+              </a:spcAft>
+              <a:buClr>
+                <a:schemeClr val="bg2">
+                  <a:lumMod val="40000"/>
+                  <a:lumOff val="60000"/>
+                </a:schemeClr>
+              </a:buClr>
+              <a:buSzPct val="80000"/>
+              <a:buFont typeface="Wingdings 3" charset="2"/>
+              <a:buChar char=""/>
+              <a:defRPr sz="2000" b="0" i="0" kern="1200">
+                <a:solidFill>
+                  <a:schemeClr val="tx1"/>
+                </a:solidFill>
+                <a:latin typeface="+mj-lt"/>
+                <a:ea typeface="+mj-ea"/>
+                <a:cs typeface="+mj-cs"/>
+              </a:defRPr>
+            </a:lvl1pPr>
+            <a:lvl2pPr marL="742950" indent="-285750" algn="l" defTabSz="457200" rtl="0" eaLnBrk="1" latinLnBrk="0" hangingPunct="1">
+              <a:spcBef>
+                <a:spcPts val="1000"/>
+              </a:spcBef>
+              <a:spcAft>
+                <a:spcPts val="0"/>
+              </a:spcAft>
+              <a:buClr>
+                <a:schemeClr val="bg2">
+                  <a:lumMod val="40000"/>
+                  <a:lumOff val="60000"/>
+                </a:schemeClr>
+              </a:buClr>
+              <a:buSzPct val="80000"/>
+              <a:buFont typeface="Wingdings 3" charset="2"/>
+              <a:buChar char=""/>
+              <a:defRPr sz="1800" b="0" i="0" kern="1200">
+                <a:solidFill>
+                  <a:schemeClr val="tx1"/>
+                </a:solidFill>
+                <a:latin typeface="+mj-lt"/>
+                <a:ea typeface="+mj-ea"/>
+                <a:cs typeface="+mj-cs"/>
+              </a:defRPr>
+            </a:lvl2pPr>
+            <a:lvl3pPr marL="1143000" indent="-228600" algn="l" defTabSz="457200" rtl="0" eaLnBrk="1" latinLnBrk="0" hangingPunct="1">
+              <a:spcBef>
+                <a:spcPts val="1000"/>
+              </a:spcBef>
+              <a:spcAft>
+                <a:spcPts val="0"/>
+              </a:spcAft>
+              <a:buClr>
+                <a:schemeClr val="bg2">
+                  <a:lumMod val="40000"/>
+                  <a:lumOff val="60000"/>
+                </a:schemeClr>
+              </a:buClr>
+              <a:buSzPct val="80000"/>
+              <a:buFont typeface="Wingdings 3" charset="2"/>
+              <a:buChar char=""/>
+              <a:defRPr sz="1600" b="0" i="0" kern="1200">
+                <a:solidFill>
+                  <a:schemeClr val="tx1"/>
+                </a:solidFill>
+                <a:latin typeface="+mj-lt"/>
+                <a:ea typeface="+mj-ea"/>
+                <a:cs typeface="+mj-cs"/>
+              </a:defRPr>
+            </a:lvl3pPr>
+            <a:lvl4pPr marL="1600200" indent="-228600" algn="l" defTabSz="457200" rtl="0" eaLnBrk="1" latinLnBrk="0" hangingPunct="1">
+              <a:spcBef>
+                <a:spcPts val="1000"/>
+              </a:spcBef>
+              <a:spcAft>
+                <a:spcPts val="0"/>
+              </a:spcAft>
+              <a:buClr>
+                <a:schemeClr val="bg2">
+                  <a:lumMod val="40000"/>
+                  <a:lumOff val="60000"/>
+                </a:schemeClr>
+              </a:buClr>
+              <a:buSzPct val="80000"/>
+              <a:buFont typeface="Wingdings 3" charset="2"/>
+              <a:buChar char=""/>
+              <a:defRPr sz="1400" b="0" i="0" kern="1200">
+                <a:solidFill>
+                  <a:schemeClr val="tx1"/>
+                </a:solidFill>
+                <a:latin typeface="+mj-lt"/>
+                <a:ea typeface="+mj-ea"/>
+                <a:cs typeface="+mj-cs"/>
+              </a:defRPr>
+            </a:lvl4pPr>
+            <a:lvl5pPr marL="2057400" indent="-228600" algn="l" defTabSz="457200" rtl="0" eaLnBrk="1" latinLnBrk="0" hangingPunct="1">
+              <a:spcBef>
+                <a:spcPts val="1000"/>
+              </a:spcBef>
+              <a:spcAft>
+                <a:spcPts val="0"/>
+              </a:spcAft>
+              <a:buClr>
+                <a:schemeClr val="bg2">
+                  <a:lumMod val="40000"/>
+                  <a:lumOff val="60000"/>
+                </a:schemeClr>
+              </a:buClr>
+              <a:buSzPct val="80000"/>
+              <a:buFont typeface="Wingdings 3" charset="2"/>
+              <a:buChar char=""/>
+              <a:defRPr sz="1400" b="0" i="0" kern="1200">
+                <a:solidFill>
+                  <a:schemeClr val="tx1"/>
+                </a:solidFill>
+                <a:latin typeface="+mj-lt"/>
+                <a:ea typeface="+mj-ea"/>
+                <a:cs typeface="+mj-cs"/>
+              </a:defRPr>
+            </a:lvl5pPr>
+            <a:lvl6pPr marL="2506000" indent="-228600" algn="l" defTabSz="457200" rtl="0" eaLnBrk="1" latinLnBrk="0" hangingPunct="1">
+              <a:spcBef>
+                <a:spcPts val="1000"/>
+              </a:spcBef>
+              <a:spcAft>
+                <a:spcPts val="0"/>
+              </a:spcAft>
+              <a:buClr>
+                <a:schemeClr val="bg2">
+                  <a:lumMod val="40000"/>
+                  <a:lumOff val="60000"/>
+                </a:schemeClr>
+              </a:buClr>
+              <a:buSzPct val="80000"/>
+              <a:buFont typeface="Wingdings 3" charset="2"/>
+              <a:buChar char=""/>
+              <a:defRPr sz="1400" b="0" i="0" kern="1200">
+                <a:solidFill>
+                  <a:schemeClr val="tx1"/>
+                </a:solidFill>
+                <a:latin typeface="+mj-lt"/>
+                <a:ea typeface="+mj-ea"/>
+                <a:cs typeface="+mj-cs"/>
+              </a:defRPr>
+            </a:lvl6pPr>
+            <a:lvl7pPr marL="2971800" indent="-228600" algn="l" defTabSz="457200" rtl="0" eaLnBrk="1" latinLnBrk="0" hangingPunct="1">
+              <a:spcBef>
+                <a:spcPts val="1000"/>
+              </a:spcBef>
+              <a:spcAft>
+                <a:spcPts val="0"/>
+              </a:spcAft>
+              <a:buClr>
+                <a:schemeClr val="bg2">
+                  <a:lumMod val="40000"/>
+                  <a:lumOff val="60000"/>
+                </a:schemeClr>
+              </a:buClr>
+              <a:buSzPct val="80000"/>
+              <a:buFont typeface="Wingdings 3" charset="2"/>
+              <a:buChar char=""/>
+              <a:defRPr sz="1400" b="0" i="0" kern="1200">
+                <a:solidFill>
+                  <a:schemeClr val="tx1"/>
+                </a:solidFill>
+                <a:latin typeface="+mj-lt"/>
+                <a:ea typeface="+mj-ea"/>
+                <a:cs typeface="+mj-cs"/>
+              </a:defRPr>
+            </a:lvl7pPr>
+            <a:lvl8pPr marL="3429000" indent="-228600" algn="l" defTabSz="457200" rtl="0" eaLnBrk="1" latinLnBrk="0" hangingPunct="1">
+              <a:spcBef>
+                <a:spcPts val="1000"/>
+              </a:spcBef>
+              <a:spcAft>
+                <a:spcPts val="0"/>
+              </a:spcAft>
+              <a:buClr>
+                <a:schemeClr val="bg2">
+                  <a:lumMod val="40000"/>
+                  <a:lumOff val="60000"/>
+                </a:schemeClr>
+              </a:buClr>
+              <a:buSzPct val="80000"/>
+              <a:buFont typeface="Wingdings 3" charset="2"/>
+              <a:buChar char=""/>
+              <a:defRPr sz="1400" b="0" i="0" kern="1200">
+                <a:solidFill>
+                  <a:schemeClr val="tx1"/>
+                </a:solidFill>
+                <a:latin typeface="+mj-lt"/>
+                <a:ea typeface="+mj-ea"/>
+                <a:cs typeface="+mj-cs"/>
+              </a:defRPr>
+            </a:lvl8pPr>
+            <a:lvl9pPr marL="3886200" indent="-228600" algn="l" defTabSz="457200" rtl="0" eaLnBrk="1" latinLnBrk="0" hangingPunct="1">
+              <a:spcBef>
+                <a:spcPts val="1000"/>
+              </a:spcBef>
+              <a:spcAft>
+                <a:spcPts val="0"/>
+              </a:spcAft>
+              <a:buClr>
+                <a:schemeClr val="bg2">
+                  <a:lumMod val="40000"/>
+                  <a:lumOff val="60000"/>
+                </a:schemeClr>
+              </a:buClr>
+              <a:buSzPct val="80000"/>
+              <a:buFont typeface="Wingdings 3" charset="2"/>
+              <a:buChar char=""/>
+              <a:defRPr sz="1400" b="0" i="0" kern="1200">
+                <a:solidFill>
+                  <a:schemeClr val="tx1"/>
+                </a:solidFill>
+                <a:latin typeface="+mj-lt"/>
+                <a:ea typeface="+mj-ea"/>
+                <a:cs typeface="+mj-cs"/>
+              </a:defRPr>
+            </a:lvl9pPr>
+          </a:lstStyle>
+          <a:p>
+            <a:r>
+              <a:rPr lang="en-GB" dirty="0"/>
+              <a:t>Research &amp; Development</a:t>
+            </a:r>
+          </a:p>
+          <a:p>
+            <a:r>
+              <a:rPr lang="en-GB" dirty="0"/>
+              <a:t>Exposure to deep learning</a:t>
+            </a:r>
+          </a:p>
+          <a:p>
+            <a:r>
+              <a:rPr lang="en-GB" dirty="0"/>
+              <a:t>Exposure to evolutionary algorithms</a:t>
+            </a:r>
+            <a:endParaRPr lang="en-US" dirty="0"/>
+          </a:p>
+        </p:txBody>
+      </p:sp>
     </p:spTree>
     <p:extLst>
       <p:ext uri="{BB962C8B-B14F-4D97-AF65-F5344CB8AC3E}">
@@ -6714,16 +7049,10 @@
           <a:p>
             <a:pPr lvl="1"/>
             <a:r>
-              <a:rPr lang="en-GB" dirty="0"/>
+              <a:rPr lang="en-GB"/>
               <a:t>Description</a:t>
             </a:r>
-          </a:p>
-          <a:p>
-            <a:pPr lvl="1"/>
-            <a:r>
-              <a:rPr lang="en-GB" dirty="0"/>
-              <a:t>Explanation</a:t>
-            </a:r>
+            <a:endParaRPr lang="en-GB" dirty="0"/>
           </a:p>
           <a:p>
             <a:r>
@@ -8039,7 +8368,7 @@
             <p:ph idx="1"/>
             <p:extLst>
               <p:ext uri="{D42A27DB-BD31-4B8C-83A1-F6EECF244321}">
-                <p14:modId xmlns:p14="http://schemas.microsoft.com/office/powerpoint/2010/main" val="4280338694"/>
+                <p14:modId xmlns:p14="http://schemas.microsoft.com/office/powerpoint/2010/main" val="1526869508"/>
               </p:ext>
             </p:extLst>
           </p:nvPr>
@@ -8113,7 +8442,7 @@
                     <a:p>
                       <a:r>
                         <a:rPr lang="en-GB" dirty="0"/>
-                        <a:t>Results</a:t>
+                        <a:t>Results (Error Rates)</a:t>
                       </a:r>
                       <a:endParaRPr lang="en-US" dirty="0"/>
                     </a:p>
@@ -8123,6 +8452,55 @@
                 <a:extLst>
                   <a:ext uri="{0D108BD9-81ED-4DB2-BD59-A6C34878D82A}">
                     <a16:rowId xmlns:a16="http://schemas.microsoft.com/office/drawing/2014/main" val="3234363476"/>
+                  </a:ext>
+                </a:extLst>
+              </a:tr>
+              <a:tr h="370840">
+                <a:tc>
+                  <a:txBody>
+                    <a:bodyPr/>
+                    <a:lstStyle/>
+                    <a:p>
+                      <a:r>
+                        <a:rPr lang="en-GB" dirty="0"/>
+                        <a:t>CIFAR-10</a:t>
+                      </a:r>
+                      <a:endParaRPr lang="en-US" dirty="0"/>
+                    </a:p>
+                  </a:txBody>
+                  <a:tcPr/>
+                </a:tc>
+                <a:tc>
+                  <a:txBody>
+                    <a:bodyPr/>
+                    <a:lstStyle/>
+                    <a:p>
+                      <a:r>
+                        <a:rPr lang="en-GB" dirty="0"/>
+                        <a:t>ResNet</a:t>
+                      </a:r>
+                      <a:endParaRPr lang="en-US" dirty="0"/>
+                    </a:p>
+                  </a:txBody>
+                  <a:tcPr/>
+                </a:tc>
+                <a:tc>
+                  <a:txBody>
+                    <a:bodyPr/>
+                    <a:lstStyle/>
+                    <a:p>
+                      <a:r>
+                        <a:rPr lang="en-GB" dirty="0"/>
+                        <a:t>6.61%</a:t>
+                      </a:r>
+                      <a:endParaRPr lang="en-US" dirty="0"/>
+                    </a:p>
+                  </a:txBody>
+                  <a:tcPr/>
+                </a:tc>
+                <a:extLst>
+                  <a:ext uri="{0D108BD9-81ED-4DB2-BD59-A6C34878D82A}">
+                    <a16:rowId xmlns:a16="http://schemas.microsoft.com/office/drawing/2014/main" val="842583700"/>
                   </a:ext>
                 </a:extLst>
               </a:tr>
@@ -8142,7 +8520,28 @@
                     <a:bodyPr/>
                     <a:lstStyle/>
                     <a:p>
-                      <a:endParaRPr lang="en-US"/>
+                      <a:pPr marL="0" marR="0" lvl="0" indent="0" algn="l" defTabSz="457200" rtl="0" eaLnBrk="1" fontAlgn="auto" latinLnBrk="0" hangingPunct="1">
+                        <a:lnSpc>
+                          <a:spcPct val="100000"/>
+                        </a:lnSpc>
+                        <a:spcBef>
+                          <a:spcPts val="0"/>
+                        </a:spcBef>
+                        <a:spcAft>
+                          <a:spcPts val="0"/>
+                        </a:spcAft>
+                        <a:buClrTx/>
+                        <a:buSzTx/>
+                        <a:buFontTx/>
+                        <a:buNone/>
+                        <a:tabLst/>
+                        <a:defRPr/>
+                      </a:pPr>
+                      <a:r>
+                        <a:rPr lang="en-GB" dirty="0"/>
+                        <a:t>MetaQNN</a:t>
+                      </a:r>
+                      <a:endParaRPr lang="en-US" dirty="0"/>
                     </a:p>
                   </a:txBody>
                   <a:tcPr/>
@@ -8152,44 +8551,11 @@
                     <a:bodyPr/>
                     <a:lstStyle/>
                     <a:p>
-                      <a:endParaRPr lang="en-US"/>
-                    </a:p>
-                  </a:txBody>
-                  <a:tcPr/>
-                </a:tc>
-                <a:extLst>
-                  <a:ext uri="{0D108BD9-81ED-4DB2-BD59-A6C34878D82A}">
-                    <a16:rowId xmlns:a16="http://schemas.microsoft.com/office/drawing/2014/main" val="842583700"/>
-                  </a:ext>
-                </a:extLst>
-              </a:tr>
-              <a:tr h="370840">
-                <a:tc>
-                  <a:txBody>
-                    <a:bodyPr/>
-                    <a:lstStyle/>
-                    <a:p>
-                      <a:endParaRPr lang="en-US"/>
-                    </a:p>
-                  </a:txBody>
-                  <a:tcPr/>
-                </a:tc>
-                <a:tc>
-                  <a:txBody>
-                    <a:bodyPr/>
-                    <a:lstStyle/>
-                    <a:p>
-                      <a:endParaRPr lang="en-US"/>
-                    </a:p>
-                  </a:txBody>
-                  <a:tcPr/>
-                </a:tc>
-                <a:tc>
-                  <a:txBody>
-                    <a:bodyPr/>
-                    <a:lstStyle/>
-                    <a:p>
-                      <a:endParaRPr lang="en-US"/>
+                      <a:r>
+                        <a:rPr lang="en-GB" dirty="0"/>
+                        <a:t>9.09%</a:t>
+                      </a:r>
+                      <a:endParaRPr lang="en-US" dirty="0"/>
                     </a:p>
                   </a:txBody>
                   <a:tcPr/>
@@ -8206,7 +8572,7 @@
                     <a:bodyPr/>
                     <a:lstStyle/>
                     <a:p>
-                      <a:endParaRPr lang="en-US"/>
+                      <a:endParaRPr lang="en-US" dirty="0"/>
                     </a:p>
                   </a:txBody>
                   <a:tcPr/>

--- a/documentation/university-requisite/proposal-presentation/Nature Inspired CNNs Optimization.pptx
+++ b/documentation/university-requisite/proposal-presentation/Nature Inspired CNNs Optimization.pptx
@@ -308,7 +308,7 @@
           <a:p>
             <a:fld id="{4AAD347D-5ACD-4C99-B74B-A9C85AD731AF}" type="datetimeFigureOut">
               <a:rPr lang="en-US" dirty="0"/>
-              <a:t>4/22/2019</a:t>
+              <a:t>4/23/2019</a:t>
             </a:fld>
             <a:endParaRPr lang="en-US" dirty="0"/>
           </a:p>
@@ -578,7 +578,7 @@
           <a:p>
             <a:fld id="{4509A250-FF31-4206-8172-F9D3106AACB1}" type="datetimeFigureOut">
               <a:rPr lang="en-US" dirty="0"/>
-              <a:t>4/22/2019</a:t>
+              <a:t>4/23/2019</a:t>
             </a:fld>
             <a:endParaRPr lang="en-US" dirty="0"/>
           </a:p>
@@ -767,7 +767,7 @@
           <a:p>
             <a:fld id="{4509A250-FF31-4206-8172-F9D3106AACB1}" type="datetimeFigureOut">
               <a:rPr lang="en-US" dirty="0"/>
-              <a:t>4/22/2019</a:t>
+              <a:t>4/23/2019</a:t>
             </a:fld>
             <a:endParaRPr lang="en-US" dirty="0"/>
           </a:p>
@@ -1035,7 +1035,7 @@
           <a:p>
             <a:fld id="{4509A250-FF31-4206-8172-F9D3106AACB1}" type="datetimeFigureOut">
               <a:rPr lang="en-US" dirty="0"/>
-              <a:t>4/22/2019</a:t>
+              <a:t>4/23/2019</a:t>
             </a:fld>
             <a:endParaRPr lang="en-US" dirty="0"/>
           </a:p>
@@ -1371,7 +1371,7 @@
           <a:p>
             <a:fld id="{4509A250-FF31-4206-8172-F9D3106AACB1}" type="datetimeFigureOut">
               <a:rPr lang="en-US" dirty="0"/>
-              <a:t>4/22/2019</a:t>
+              <a:t>4/23/2019</a:t>
             </a:fld>
             <a:endParaRPr lang="en-US" dirty="0"/>
           </a:p>
@@ -1989,7 +1989,7 @@
           <a:p>
             <a:fld id="{4509A250-FF31-4206-8172-F9D3106AACB1}" type="datetimeFigureOut">
               <a:rPr lang="en-US" dirty="0"/>
-              <a:t>4/22/2019</a:t>
+              <a:t>4/23/2019</a:t>
             </a:fld>
             <a:endParaRPr lang="en-US" dirty="0"/>
           </a:p>
@@ -2844,7 +2844,7 @@
           <a:p>
             <a:fld id="{4509A250-FF31-4206-8172-F9D3106AACB1}" type="datetimeFigureOut">
               <a:rPr lang="en-US" dirty="0"/>
-              <a:t>4/22/2019</a:t>
+              <a:t>4/23/2019</a:t>
             </a:fld>
             <a:endParaRPr lang="en-US" dirty="0"/>
           </a:p>
@@ -3009,7 +3009,7 @@
           <a:p>
             <a:fld id="{4509A250-FF31-4206-8172-F9D3106AACB1}" type="datetimeFigureOut">
               <a:rPr lang="en-US" dirty="0"/>
-              <a:t>4/22/2019</a:t>
+              <a:t>4/23/2019</a:t>
             </a:fld>
             <a:endParaRPr lang="en-US" dirty="0"/>
           </a:p>
@@ -3184,7 +3184,7 @@
           <a:p>
             <a:fld id="{4509A250-FF31-4206-8172-F9D3106AACB1}" type="datetimeFigureOut">
               <a:rPr lang="en-US" dirty="0"/>
-              <a:t>4/22/2019</a:t>
+              <a:t>4/23/2019</a:t>
             </a:fld>
             <a:endParaRPr lang="en-US" dirty="0"/>
           </a:p>
@@ -3349,7 +3349,7 @@
           <a:p>
             <a:fld id="{4509A250-FF31-4206-8172-F9D3106AACB1}" type="datetimeFigureOut">
               <a:rPr lang="en-US" dirty="0"/>
-              <a:t>4/22/2019</a:t>
+              <a:t>4/23/2019</a:t>
             </a:fld>
             <a:endParaRPr lang="en-US" dirty="0"/>
           </a:p>
@@ -3591,7 +3591,7 @@
           <a:p>
             <a:fld id="{9796027F-7875-4030-9381-8BD8C4F21935}" type="datetimeFigureOut">
               <a:rPr lang="en-US" dirty="0"/>
-              <a:t>4/22/2019</a:t>
+              <a:t>4/23/2019</a:t>
             </a:fld>
             <a:endParaRPr lang="en-US" dirty="0"/>
           </a:p>
@@ -3878,7 +3878,7 @@
           <a:p>
             <a:fld id="{9796027F-7875-4030-9381-8BD8C4F21935}" type="datetimeFigureOut">
               <a:rPr lang="en-US" dirty="0"/>
-              <a:t>4/22/2019</a:t>
+              <a:t>4/23/2019</a:t>
             </a:fld>
             <a:endParaRPr lang="en-US" dirty="0"/>
           </a:p>
@@ -4317,7 +4317,7 @@
           <a:p>
             <a:fld id="{9796027F-7875-4030-9381-8BD8C4F21935}" type="datetimeFigureOut">
               <a:rPr lang="en-US" dirty="0"/>
-              <a:t>4/22/2019</a:t>
+              <a:t>4/23/2019</a:t>
             </a:fld>
             <a:endParaRPr lang="en-US" dirty="0"/>
           </a:p>
@@ -4430,7 +4430,7 @@
           <a:p>
             <a:fld id="{4509A250-FF31-4206-8172-F9D3106AACB1}" type="datetimeFigureOut">
               <a:rPr lang="en-US" dirty="0"/>
-              <a:t>4/22/2019</a:t>
+              <a:t>4/23/2019</a:t>
             </a:fld>
             <a:endParaRPr lang="en-US" dirty="0"/>
           </a:p>
@@ -4520,7 +4520,7 @@
           <a:p>
             <a:fld id="{4509A250-FF31-4206-8172-F9D3106AACB1}" type="datetimeFigureOut">
               <a:rPr lang="en-US" dirty="0"/>
-              <a:t>4/22/2019</a:t>
+              <a:t>4/23/2019</a:t>
             </a:fld>
             <a:endParaRPr lang="en-US" dirty="0"/>
           </a:p>
@@ -4794,7 +4794,7 @@
           <a:p>
             <a:fld id="{4509A250-FF31-4206-8172-F9D3106AACB1}" type="datetimeFigureOut">
               <a:rPr lang="en-US" dirty="0"/>
-              <a:t>4/22/2019</a:t>
+              <a:t>4/23/2019</a:t>
             </a:fld>
             <a:endParaRPr lang="en-US" dirty="0"/>
           </a:p>
@@ -5064,7 +5064,7 @@
           <a:p>
             <a:fld id="{4509A250-FF31-4206-8172-F9D3106AACB1}" type="datetimeFigureOut">
               <a:rPr lang="en-US" dirty="0"/>
-              <a:t>4/22/2019</a:t>
+              <a:t>4/23/2019</a:t>
             </a:fld>
             <a:endParaRPr lang="en-US" dirty="0"/>
           </a:p>
@@ -5488,7 +5488,7 @@
           <a:p>
             <a:fld id="{4AAD347D-5ACD-4C99-B74B-A9C85AD731AF}" type="datetimeFigureOut">
               <a:rPr lang="en-US" dirty="0"/>
-              <a:t>4/22/2019</a:t>
+              <a:t>4/23/2019</a:t>
             </a:fld>
             <a:endParaRPr lang="en-US" dirty="0"/>
           </a:p>
@@ -7049,10 +7049,9 @@
           <a:p>
             <a:pPr lvl="1"/>
             <a:r>
-              <a:rPr lang="en-GB"/>
+              <a:rPr lang="en-GB" dirty="0"/>
               <a:t>Description</a:t>
             </a:r>
-            <a:endParaRPr lang="en-GB" dirty="0"/>
           </a:p>
           <a:p>
             <a:r>
@@ -7076,6 +7075,12 @@
             <a:r>
               <a:rPr lang="en-GB" dirty="0"/>
               <a:t>Scope</a:t>
+            </a:r>
+          </a:p>
+          <a:p>
+            <a:r>
+              <a:rPr lang="en-GB" dirty="0"/>
+              <a:t>Work-breakdown Structure</a:t>
             </a:r>
           </a:p>
           <a:p>

--- a/documentation/university-requisite/proposal-presentation/Nature Inspired CNNs Optimization.pptx
+++ b/documentation/university-requisite/proposal-presentation/Nature Inspired CNNs Optimization.pptx
@@ -6033,8 +6033,12 @@
           <a:lstStyle/>
           <a:p>
             <a:r>
+              <a:rPr lang="en-GB"/>
+              <a:t>Nature-Inspired CNN </a:t>
+            </a:r>
+            <a:r>
               <a:rPr lang="en-GB" dirty="0"/>
-              <a:t>Nature Inspired CNNs Optimization</a:t>
+              <a:t>Optimization</a:t>
             </a:r>
             <a:endParaRPr lang="en-US" dirty="0"/>
           </a:p>

--- a/documentation/university-requisite/proposal-presentation/Nature Inspired CNNs Optimization.pptx
+++ b/documentation/university-requisite/proposal-presentation/Nature Inspired CNNs Optimization.pptx
@@ -6,14 +6,14 @@
   </p:sldMasterIdLst>
   <p:sldIdLst>
     <p:sldId id="256" r:id="rId2"/>
-    <p:sldId id="257" r:id="rId3"/>
-    <p:sldId id="264" r:id="rId4"/>
-    <p:sldId id="258" r:id="rId5"/>
-    <p:sldId id="265" r:id="rId6"/>
-    <p:sldId id="266" r:id="rId7"/>
-    <p:sldId id="275" r:id="rId8"/>
-    <p:sldId id="271" r:id="rId9"/>
-    <p:sldId id="277" r:id="rId10"/>
+    <p:sldId id="264" r:id="rId3"/>
+    <p:sldId id="258" r:id="rId4"/>
+    <p:sldId id="265" r:id="rId5"/>
+    <p:sldId id="266" r:id="rId6"/>
+    <p:sldId id="275" r:id="rId7"/>
+    <p:sldId id="271" r:id="rId8"/>
+    <p:sldId id="277" r:id="rId9"/>
+    <p:sldId id="278" r:id="rId10"/>
     <p:sldId id="274" r:id="rId11"/>
     <p:sldId id="276" r:id="rId12"/>
   </p:sldIdLst>
@@ -6024,7 +6024,7 @@
         </p:nvSpPr>
         <p:spPr>
           <a:xfrm>
-            <a:off x="1718626" y="2016690"/>
+            <a:off x="1683171" y="410312"/>
             <a:ext cx="8825658" cy="2322280"/>
           </a:xfrm>
         </p:spPr>
@@ -6033,14 +6033,345 @@
           <a:lstStyle/>
           <a:p>
             <a:r>
-              <a:rPr lang="en-GB"/>
-              <a:t>Nature-Inspired CNN </a:t>
-            </a:r>
-            <a:r>
               <a:rPr lang="en-GB" dirty="0"/>
-              <a:t>Optimization</a:t>
-            </a:r>
-            <a:endParaRPr lang="en-US" dirty="0"/>
+              <a:t>Nature-Inspired CNN Optimization</a:t>
+            </a:r>
+            <a:endParaRPr lang="en-US" dirty="0"/>
+          </a:p>
+        </p:txBody>
+      </p:sp>
+      <p:sp>
+        <p:nvSpPr>
+          <p:cNvPr id="3" name="Content Placeholder 2">
+            <a:extLst>
+              <a:ext uri="{FF2B5EF4-FFF2-40B4-BE49-F238E27FC236}">
+                <a16:creationId xmlns:a16="http://schemas.microsoft.com/office/drawing/2014/main" id="{E86C2FDB-A2C2-4BA8-A487-90E8E6AF6468}"/>
+              </a:ext>
+            </a:extLst>
+          </p:cNvPr>
+          <p:cNvSpPr txBox="1">
+            <a:spLocks/>
+          </p:cNvSpPr>
+          <p:nvPr/>
+        </p:nvSpPr>
+        <p:spPr>
+          <a:xfrm>
+            <a:off x="1683171" y="3429000"/>
+            <a:ext cx="8946541" cy="2556099"/>
+          </a:xfrm>
+          <a:prstGeom prst="rect">
+            <a:avLst/>
+          </a:prstGeom>
+        </p:spPr>
+        <p:txBody>
+          <a:bodyPr vert="horz" lIns="91440" tIns="45720" rIns="91440" bIns="45720" rtlCol="0" anchor="t">
+            <a:normAutofit/>
+          </a:bodyPr>
+          <a:lstStyle>
+            <a:lvl1pPr marL="0" indent="0" algn="l" defTabSz="457200" rtl="0" eaLnBrk="1" latinLnBrk="0" hangingPunct="1">
+              <a:spcBef>
+                <a:spcPts val="1000"/>
+              </a:spcBef>
+              <a:spcAft>
+                <a:spcPts val="0"/>
+              </a:spcAft>
+              <a:buClr>
+                <a:schemeClr val="bg2">
+                  <a:lumMod val="40000"/>
+                  <a:lumOff val="60000"/>
+                </a:schemeClr>
+              </a:buClr>
+              <a:buSzPct val="80000"/>
+              <a:buFont typeface="Wingdings 3" charset="2"/>
+              <a:buNone/>
+              <a:defRPr sz="2000" b="0" i="0" kern="1200" cap="all">
+                <a:solidFill>
+                  <a:schemeClr val="bg2">
+                    <a:lumMod val="40000"/>
+                    <a:lumOff val="60000"/>
+                  </a:schemeClr>
+                </a:solidFill>
+                <a:latin typeface="+mj-lt"/>
+                <a:ea typeface="+mj-ea"/>
+                <a:cs typeface="+mj-cs"/>
+              </a:defRPr>
+            </a:lvl1pPr>
+            <a:lvl2pPr marL="457200" indent="0" algn="ctr" defTabSz="457200" rtl="0" eaLnBrk="1" latinLnBrk="0" hangingPunct="1">
+              <a:spcBef>
+                <a:spcPts val="1000"/>
+              </a:spcBef>
+              <a:spcAft>
+                <a:spcPts val="0"/>
+              </a:spcAft>
+              <a:buClr>
+                <a:schemeClr val="bg2">
+                  <a:lumMod val="40000"/>
+                  <a:lumOff val="60000"/>
+                </a:schemeClr>
+              </a:buClr>
+              <a:buSzPct val="80000"/>
+              <a:buFont typeface="Wingdings 3" charset="2"/>
+              <a:buNone/>
+              <a:defRPr sz="1800" b="0" i="0" kern="1200">
+                <a:solidFill>
+                  <a:schemeClr val="tx1">
+                    <a:tint val="75000"/>
+                  </a:schemeClr>
+                </a:solidFill>
+                <a:latin typeface="+mj-lt"/>
+                <a:ea typeface="+mj-ea"/>
+                <a:cs typeface="+mj-cs"/>
+              </a:defRPr>
+            </a:lvl2pPr>
+            <a:lvl3pPr marL="914400" indent="0" algn="ctr" defTabSz="457200" rtl="0" eaLnBrk="1" latinLnBrk="0" hangingPunct="1">
+              <a:spcBef>
+                <a:spcPts val="1000"/>
+              </a:spcBef>
+              <a:spcAft>
+                <a:spcPts val="0"/>
+              </a:spcAft>
+              <a:buClr>
+                <a:schemeClr val="bg2">
+                  <a:lumMod val="40000"/>
+                  <a:lumOff val="60000"/>
+                </a:schemeClr>
+              </a:buClr>
+              <a:buSzPct val="80000"/>
+              <a:buFont typeface="Wingdings 3" charset="2"/>
+              <a:buNone/>
+              <a:defRPr sz="1600" b="0" i="0" kern="1200">
+                <a:solidFill>
+                  <a:schemeClr val="tx1">
+                    <a:tint val="75000"/>
+                  </a:schemeClr>
+                </a:solidFill>
+                <a:latin typeface="+mj-lt"/>
+                <a:ea typeface="+mj-ea"/>
+                <a:cs typeface="+mj-cs"/>
+              </a:defRPr>
+            </a:lvl3pPr>
+            <a:lvl4pPr marL="1371600" indent="0" algn="ctr" defTabSz="457200" rtl="0" eaLnBrk="1" latinLnBrk="0" hangingPunct="1">
+              <a:spcBef>
+                <a:spcPts val="1000"/>
+              </a:spcBef>
+              <a:spcAft>
+                <a:spcPts val="0"/>
+              </a:spcAft>
+              <a:buClr>
+                <a:schemeClr val="bg2">
+                  <a:lumMod val="40000"/>
+                  <a:lumOff val="60000"/>
+                </a:schemeClr>
+              </a:buClr>
+              <a:buSzPct val="80000"/>
+              <a:buFont typeface="Wingdings 3" charset="2"/>
+              <a:buNone/>
+              <a:defRPr sz="1400" b="0" i="0" kern="1200">
+                <a:solidFill>
+                  <a:schemeClr val="tx1">
+                    <a:tint val="75000"/>
+                  </a:schemeClr>
+                </a:solidFill>
+                <a:latin typeface="+mj-lt"/>
+                <a:ea typeface="+mj-ea"/>
+                <a:cs typeface="+mj-cs"/>
+              </a:defRPr>
+            </a:lvl4pPr>
+            <a:lvl5pPr marL="1828800" indent="0" algn="ctr" defTabSz="457200" rtl="0" eaLnBrk="1" latinLnBrk="0" hangingPunct="1">
+              <a:spcBef>
+                <a:spcPts val="1000"/>
+              </a:spcBef>
+              <a:spcAft>
+                <a:spcPts val="0"/>
+              </a:spcAft>
+              <a:buClr>
+                <a:schemeClr val="bg2">
+                  <a:lumMod val="40000"/>
+                  <a:lumOff val="60000"/>
+                </a:schemeClr>
+              </a:buClr>
+              <a:buSzPct val="80000"/>
+              <a:buFont typeface="Wingdings 3" charset="2"/>
+              <a:buNone/>
+              <a:defRPr sz="1400" b="0" i="0" kern="1200">
+                <a:solidFill>
+                  <a:schemeClr val="tx1">
+                    <a:tint val="75000"/>
+                  </a:schemeClr>
+                </a:solidFill>
+                <a:latin typeface="+mj-lt"/>
+                <a:ea typeface="+mj-ea"/>
+                <a:cs typeface="+mj-cs"/>
+              </a:defRPr>
+            </a:lvl5pPr>
+            <a:lvl6pPr marL="2286000" indent="0" algn="ctr" defTabSz="457200" rtl="0" eaLnBrk="1" latinLnBrk="0" hangingPunct="1">
+              <a:spcBef>
+                <a:spcPts val="1000"/>
+              </a:spcBef>
+              <a:spcAft>
+                <a:spcPts val="0"/>
+              </a:spcAft>
+              <a:buClr>
+                <a:schemeClr val="bg2">
+                  <a:lumMod val="40000"/>
+                  <a:lumOff val="60000"/>
+                </a:schemeClr>
+              </a:buClr>
+              <a:buSzPct val="80000"/>
+              <a:buFont typeface="Wingdings 3" charset="2"/>
+              <a:buNone/>
+              <a:defRPr sz="1400" b="0" i="0" kern="1200">
+                <a:solidFill>
+                  <a:schemeClr val="tx1">
+                    <a:tint val="75000"/>
+                  </a:schemeClr>
+                </a:solidFill>
+                <a:latin typeface="+mj-lt"/>
+                <a:ea typeface="+mj-ea"/>
+                <a:cs typeface="+mj-cs"/>
+              </a:defRPr>
+            </a:lvl6pPr>
+            <a:lvl7pPr marL="2743200" indent="0" algn="ctr" defTabSz="457200" rtl="0" eaLnBrk="1" latinLnBrk="0" hangingPunct="1">
+              <a:spcBef>
+                <a:spcPts val="1000"/>
+              </a:spcBef>
+              <a:spcAft>
+                <a:spcPts val="0"/>
+              </a:spcAft>
+              <a:buClr>
+                <a:schemeClr val="bg2">
+                  <a:lumMod val="40000"/>
+                  <a:lumOff val="60000"/>
+                </a:schemeClr>
+              </a:buClr>
+              <a:buSzPct val="80000"/>
+              <a:buFont typeface="Wingdings 3" charset="2"/>
+              <a:buNone/>
+              <a:defRPr sz="1400" b="0" i="0" kern="1200">
+                <a:solidFill>
+                  <a:schemeClr val="tx1">
+                    <a:tint val="75000"/>
+                  </a:schemeClr>
+                </a:solidFill>
+                <a:latin typeface="+mj-lt"/>
+                <a:ea typeface="+mj-ea"/>
+                <a:cs typeface="+mj-cs"/>
+              </a:defRPr>
+            </a:lvl7pPr>
+            <a:lvl8pPr marL="3200400" indent="0" algn="ctr" defTabSz="457200" rtl="0" eaLnBrk="1" latinLnBrk="0" hangingPunct="1">
+              <a:spcBef>
+                <a:spcPts val="1000"/>
+              </a:spcBef>
+              <a:spcAft>
+                <a:spcPts val="0"/>
+              </a:spcAft>
+              <a:buClr>
+                <a:schemeClr val="bg2">
+                  <a:lumMod val="40000"/>
+                  <a:lumOff val="60000"/>
+                </a:schemeClr>
+              </a:buClr>
+              <a:buSzPct val="80000"/>
+              <a:buFont typeface="Wingdings 3" charset="2"/>
+              <a:buNone/>
+              <a:defRPr sz="1400" b="0" i="0" kern="1200">
+                <a:solidFill>
+                  <a:schemeClr val="tx1">
+                    <a:tint val="75000"/>
+                  </a:schemeClr>
+                </a:solidFill>
+                <a:latin typeface="+mj-lt"/>
+                <a:ea typeface="+mj-ea"/>
+                <a:cs typeface="+mj-cs"/>
+              </a:defRPr>
+            </a:lvl8pPr>
+            <a:lvl9pPr marL="3657600" indent="0" algn="ctr" defTabSz="457200" rtl="0" eaLnBrk="1" latinLnBrk="0" hangingPunct="1">
+              <a:spcBef>
+                <a:spcPts val="1000"/>
+              </a:spcBef>
+              <a:spcAft>
+                <a:spcPts val="0"/>
+              </a:spcAft>
+              <a:buClr>
+                <a:schemeClr val="bg2">
+                  <a:lumMod val="40000"/>
+                  <a:lumOff val="60000"/>
+                </a:schemeClr>
+              </a:buClr>
+              <a:buSzPct val="80000"/>
+              <a:buFont typeface="Wingdings 3" charset="2"/>
+              <a:buNone/>
+              <a:defRPr sz="1400" b="0" i="0" kern="1200">
+                <a:solidFill>
+                  <a:schemeClr val="tx1">
+                    <a:tint val="75000"/>
+                  </a:schemeClr>
+                </a:solidFill>
+                <a:latin typeface="+mj-lt"/>
+                <a:ea typeface="+mj-ea"/>
+                <a:cs typeface="+mj-cs"/>
+              </a:defRPr>
+            </a:lvl9pPr>
+          </a:lstStyle>
+          <a:p>
+            <a:r>
+              <a:rPr lang="en-GB" dirty="0"/>
+              <a:t>Group members:</a:t>
+            </a:r>
+          </a:p>
+          <a:p>
+            <a:pPr marL="742950" lvl="1" indent="-285750" algn="l">
+              <a:buFont typeface="Arial" panose="020B0604020202020204" pitchFamily="34" charset="0"/>
+              <a:buChar char="•"/>
+            </a:pPr>
+            <a:r>
+              <a:rPr lang="en-GB" dirty="0"/>
+              <a:t>15140094 Mohsin Ashraf</a:t>
+            </a:r>
+          </a:p>
+          <a:p>
+            <a:pPr marL="742950" lvl="1" indent="-285750" algn="l">
+              <a:buFont typeface="Arial" panose="020B0604020202020204" pitchFamily="34" charset="0"/>
+              <a:buChar char="•"/>
+            </a:pPr>
+            <a:r>
+              <a:rPr lang="en-GB" dirty="0"/>
+              <a:t>14140062 Mushood Hanif</a:t>
+            </a:r>
+          </a:p>
+          <a:p>
+            <a:pPr marL="742950" lvl="1" indent="-285750" algn="l">
+              <a:buFont typeface="Arial" panose="020B0604020202020204" pitchFamily="34" charset="0"/>
+              <a:buChar char="•"/>
+            </a:pPr>
+            <a:r>
+              <a:rPr lang="en-GB" dirty="0"/>
+              <a:t>15140107 Mehvish Hameed</a:t>
+            </a:r>
+          </a:p>
+          <a:p>
+            <a:pPr marL="742950" lvl="1" indent="-285750" algn="l">
+              <a:buFont typeface="Arial" panose="020B0604020202020204" pitchFamily="34" charset="0"/>
+              <a:buChar char="•"/>
+            </a:pPr>
+            <a:r>
+              <a:rPr lang="en-GB" dirty="0"/>
+              <a:t>14140044 Rida Yaqoob</a:t>
+            </a:r>
+          </a:p>
+          <a:p>
+            <a:r>
+              <a:rPr lang="en-GB" dirty="0"/>
+              <a:t>Supervisor – </a:t>
+            </a:r>
+            <a:r>
+              <a:rPr lang="en-GB" dirty="0">
+                <a:solidFill>
+                  <a:schemeClr val="tx1"/>
+                </a:solidFill>
+              </a:rPr>
+              <a:t>Syed Qamar Askari</a:t>
+            </a:r>
           </a:p>
         </p:txBody>
       </p:sp>
@@ -6872,87 +7203,131 @@
             <p:ph type="title"/>
           </p:nvPr>
         </p:nvSpPr>
-        <p:spPr/>
+        <p:spPr>
+          <a:xfrm>
+            <a:off x="646111" y="452718"/>
+            <a:ext cx="9404723" cy="900093"/>
+          </a:xfrm>
+        </p:spPr>
         <p:txBody>
           <a:bodyPr/>
           <a:lstStyle/>
           <a:p>
             <a:r>
               <a:rPr lang="en-GB" dirty="0"/>
-              <a:t>Team</a:t>
-            </a:r>
-            <a:endParaRPr lang="en-US" dirty="0"/>
-          </a:p>
-        </p:txBody>
-      </p:sp>
-      <p:sp>
-        <p:nvSpPr>
-          <p:cNvPr id="3" name="Content Placeholder 2"/>
-          <p:cNvSpPr>
-            <a:spLocks noGrp="1"/>
-          </p:cNvSpPr>
-          <p:nvPr>
-            <p:ph idx="1"/>
-          </p:nvPr>
-        </p:nvSpPr>
-        <p:spPr/>
+              <a:t>Overview</a:t>
+            </a:r>
+            <a:endParaRPr lang="en-US" dirty="0"/>
+          </a:p>
+        </p:txBody>
+      </p:sp>
+      <p:sp>
+        <p:nvSpPr>
+          <p:cNvPr id="4" name="Content Placeholder 3"/>
+          <p:cNvSpPr>
+            <a:spLocks noGrp="1"/>
+          </p:cNvSpPr>
+          <p:nvPr>
+            <p:ph sz="half" idx="2"/>
+          </p:nvPr>
+        </p:nvSpPr>
+        <p:spPr>
+          <a:xfrm>
+            <a:off x="1028155" y="1340285"/>
+            <a:ext cx="9568864" cy="5285984"/>
+          </a:xfrm>
+        </p:spPr>
         <p:txBody>
           <a:bodyPr/>
           <a:lstStyle/>
           <a:p>
             <a:r>
               <a:rPr lang="en-GB" dirty="0"/>
-              <a:t>Group members:</a:t>
+              <a:t>Problem Statement</a:t>
+            </a:r>
+          </a:p>
+          <a:p>
+            <a:r>
+              <a:rPr lang="en-GB" dirty="0"/>
+              <a:t>CNNs</a:t>
+            </a:r>
+          </a:p>
+          <a:p>
+            <a:r>
+              <a:rPr lang="en-GB" dirty="0"/>
+              <a:t>Evolutionary Algorithms</a:t>
+            </a:r>
+          </a:p>
+          <a:p>
+            <a:r>
+              <a:rPr lang="en-GB" dirty="0"/>
+              <a:t>Literature Review</a:t>
             </a:r>
           </a:p>
           <a:p>
             <a:pPr lvl="1"/>
             <a:r>
               <a:rPr lang="en-GB" dirty="0"/>
-              <a:t>15140094 Mohsin Ashraf</a:t>
-            </a:r>
-          </a:p>
-          <a:p>
-            <a:pPr lvl="1"/>
+              <a:t>Description</a:t>
+            </a:r>
+          </a:p>
+          <a:p>
             <a:r>
               <a:rPr lang="en-GB" dirty="0"/>
-              <a:t>14140062 Mushood Hanif</a:t>
-            </a:r>
-          </a:p>
-          <a:p>
-            <a:pPr lvl="1"/>
+              <a:t>Our Work</a:t>
+            </a:r>
+          </a:p>
+          <a:p>
             <a:r>
               <a:rPr lang="en-GB" dirty="0"/>
-              <a:t>15140107 Mehvish Hameed</a:t>
-            </a:r>
-          </a:p>
-          <a:p>
-            <a:pPr lvl="1"/>
+              <a:t>Benchmarks</a:t>
+            </a:r>
+          </a:p>
+          <a:p>
             <a:r>
               <a:rPr lang="en-GB" dirty="0"/>
-              <a:t>14140044 Rida Yaqoob</a:t>
-            </a:r>
-          </a:p>
-          <a:p>
-            <a:pPr marL="400050"/>
+              <a:t>References</a:t>
+            </a:r>
+          </a:p>
+          <a:p>
             <a:r>
               <a:rPr lang="en-GB" dirty="0"/>
-              <a:t>Supervisor:</a:t>
-            </a:r>
-          </a:p>
-          <a:p>
-            <a:pPr marL="800100" lvl="1"/>
+              <a:t>Scope</a:t>
+            </a:r>
+          </a:p>
+          <a:p>
             <a:r>
               <a:rPr lang="en-GB" dirty="0"/>
-              <a:t>Syed Qamar Askari</a:t>
-            </a:r>
+              <a:t>Work-breakdown Structure</a:t>
+            </a:r>
+          </a:p>
+          <a:p>
+            <a:r>
+              <a:rPr lang="en-GB" dirty="0"/>
+              <a:t>Learning outcomes</a:t>
+            </a:r>
+          </a:p>
+          <a:p>
+            <a:endParaRPr lang="en-GB" dirty="0"/>
+          </a:p>
+          <a:p>
+            <a:endParaRPr lang="en-GB" dirty="0"/>
+          </a:p>
+          <a:p>
+            <a:endParaRPr lang="en-GB" dirty="0"/>
+          </a:p>
+          <a:p>
+            <a:endParaRPr lang="en-GB" dirty="0"/>
+          </a:p>
+          <a:p>
+            <a:endParaRPr lang="en-US" dirty="0"/>
           </a:p>
         </p:txBody>
       </p:sp>
     </p:spTree>
     <p:extLst>
       <p:ext uri="{BB962C8B-B14F-4D97-AF65-F5344CB8AC3E}">
-        <p14:creationId xmlns:p14="http://schemas.microsoft.com/office/powerpoint/2010/main" val="4250395412"/>
+        <p14:creationId xmlns:p14="http://schemas.microsoft.com/office/powerpoint/2010/main" val="1404722222"/>
       </p:ext>
     </p:extLst>
   </p:cSld>
@@ -6989,167 +7364,6 @@
             <p:ph type="title"/>
           </p:nvPr>
         </p:nvSpPr>
-        <p:spPr>
-          <a:xfrm>
-            <a:off x="646111" y="452718"/>
-            <a:ext cx="9404723" cy="900093"/>
-          </a:xfrm>
-        </p:spPr>
-        <p:txBody>
-          <a:bodyPr/>
-          <a:lstStyle/>
-          <a:p>
-            <a:r>
-              <a:rPr lang="en-GB" dirty="0"/>
-              <a:t>Overview</a:t>
-            </a:r>
-            <a:endParaRPr lang="en-US" dirty="0"/>
-          </a:p>
-        </p:txBody>
-      </p:sp>
-      <p:sp>
-        <p:nvSpPr>
-          <p:cNvPr id="4" name="Content Placeholder 3"/>
-          <p:cNvSpPr>
-            <a:spLocks noGrp="1"/>
-          </p:cNvSpPr>
-          <p:nvPr>
-            <p:ph sz="half" idx="2"/>
-          </p:nvPr>
-        </p:nvSpPr>
-        <p:spPr>
-          <a:xfrm>
-            <a:off x="1028155" y="1340285"/>
-            <a:ext cx="9568864" cy="5285984"/>
-          </a:xfrm>
-        </p:spPr>
-        <p:txBody>
-          <a:bodyPr/>
-          <a:lstStyle/>
-          <a:p>
-            <a:r>
-              <a:rPr lang="en-GB" dirty="0"/>
-              <a:t>Problem Statement</a:t>
-            </a:r>
-          </a:p>
-          <a:p>
-            <a:r>
-              <a:rPr lang="en-GB" dirty="0"/>
-              <a:t>CNNs</a:t>
-            </a:r>
-          </a:p>
-          <a:p>
-            <a:r>
-              <a:rPr lang="en-GB" dirty="0"/>
-              <a:t>Evolutionary Algorithms</a:t>
-            </a:r>
-          </a:p>
-          <a:p>
-            <a:r>
-              <a:rPr lang="en-GB" dirty="0"/>
-              <a:t>Literature Review</a:t>
-            </a:r>
-          </a:p>
-          <a:p>
-            <a:pPr lvl="1"/>
-            <a:r>
-              <a:rPr lang="en-GB" dirty="0"/>
-              <a:t>Description</a:t>
-            </a:r>
-          </a:p>
-          <a:p>
-            <a:r>
-              <a:rPr lang="en-GB" dirty="0"/>
-              <a:t>Our Work</a:t>
-            </a:r>
-          </a:p>
-          <a:p>
-            <a:r>
-              <a:rPr lang="en-GB" dirty="0"/>
-              <a:t>Benchmarks</a:t>
-            </a:r>
-          </a:p>
-          <a:p>
-            <a:r>
-              <a:rPr lang="en-GB" dirty="0"/>
-              <a:t>References</a:t>
-            </a:r>
-          </a:p>
-          <a:p>
-            <a:r>
-              <a:rPr lang="en-GB" dirty="0"/>
-              <a:t>Scope</a:t>
-            </a:r>
-          </a:p>
-          <a:p>
-            <a:r>
-              <a:rPr lang="en-GB" dirty="0"/>
-              <a:t>Work-breakdown Structure</a:t>
-            </a:r>
-          </a:p>
-          <a:p>
-            <a:r>
-              <a:rPr lang="en-GB" dirty="0"/>
-              <a:t>Learning outcomes</a:t>
-            </a:r>
-          </a:p>
-          <a:p>
-            <a:endParaRPr lang="en-GB" dirty="0"/>
-          </a:p>
-          <a:p>
-            <a:endParaRPr lang="en-GB" dirty="0"/>
-          </a:p>
-          <a:p>
-            <a:endParaRPr lang="en-GB" dirty="0"/>
-          </a:p>
-          <a:p>
-            <a:endParaRPr lang="en-GB" dirty="0"/>
-          </a:p>
-          <a:p>
-            <a:endParaRPr lang="en-US" dirty="0"/>
-          </a:p>
-        </p:txBody>
-      </p:sp>
-    </p:spTree>
-    <p:extLst>
-      <p:ext uri="{BB962C8B-B14F-4D97-AF65-F5344CB8AC3E}">
-        <p14:creationId xmlns:p14="http://schemas.microsoft.com/office/powerpoint/2010/main" val="1404722222"/>
-      </p:ext>
-    </p:extLst>
-  </p:cSld>
-  <p:clrMapOvr>
-    <a:masterClrMapping/>
-  </p:clrMapOvr>
-</p:sld>
-</file>
-
-<file path=ppt/slides/slide4.xml><?xml version="1.0" encoding="utf-8"?>
-<p:sld xmlns:a="http://schemas.openxmlformats.org/drawingml/2006/main" xmlns:r="http://schemas.openxmlformats.org/officeDocument/2006/relationships" xmlns:p="http://schemas.openxmlformats.org/presentationml/2006/main">
-  <p:cSld>
-    <p:spTree>
-      <p:nvGrpSpPr>
-        <p:cNvPr id="1" name=""/>
-        <p:cNvGrpSpPr/>
-        <p:nvPr/>
-      </p:nvGrpSpPr>
-      <p:grpSpPr>
-        <a:xfrm>
-          <a:off x="0" y="0"/>
-          <a:ext cx="0" cy="0"/>
-          <a:chOff x="0" y="0"/>
-          <a:chExt cx="0" cy="0"/>
-        </a:xfrm>
-      </p:grpSpPr>
-      <p:sp>
-        <p:nvSpPr>
-          <p:cNvPr id="2" name="Title 1"/>
-          <p:cNvSpPr>
-            <a:spLocks noGrp="1"/>
-          </p:cNvSpPr>
-          <p:nvPr>
-            <p:ph type="title"/>
-          </p:nvPr>
-        </p:nvSpPr>
         <p:spPr/>
         <p:txBody>
           <a:bodyPr anchor="ctr"/>
@@ -7207,7 +7421,7 @@
 </p:sld>
 </file>
 
-<file path=ppt/slides/slide5.xml><?xml version="1.0" encoding="utf-8"?>
+<file path=ppt/slides/slide4.xml><?xml version="1.0" encoding="utf-8"?>
 <p:sld xmlns:a="http://schemas.openxmlformats.org/drawingml/2006/main" xmlns:r="http://schemas.openxmlformats.org/officeDocument/2006/relationships" xmlns:p="http://schemas.openxmlformats.org/presentationml/2006/main">
   <p:cSld>
     <p:spTree>
@@ -7368,7 +7582,7 @@
 </p:sld>
 </file>
 
-<file path=ppt/slides/slide6.xml><?xml version="1.0" encoding="utf-8"?>
+<file path=ppt/slides/slide5.xml><?xml version="1.0" encoding="utf-8"?>
 <p:sld xmlns:a="http://schemas.openxmlformats.org/drawingml/2006/main" xmlns:r="http://schemas.openxmlformats.org/officeDocument/2006/relationships" xmlns:p="http://schemas.openxmlformats.org/presentationml/2006/main">
   <p:cSld>
     <p:spTree>
@@ -7498,7 +7712,7 @@
 </p:sld>
 </file>
 
-<file path=ppt/slides/slide7.xml><?xml version="1.0" encoding="utf-8"?>
+<file path=ppt/slides/slide6.xml><?xml version="1.0" encoding="utf-8"?>
 <p:sld xmlns:a="http://schemas.openxmlformats.org/drawingml/2006/main" xmlns:r="http://schemas.openxmlformats.org/officeDocument/2006/relationships" xmlns:p="http://schemas.openxmlformats.org/presentationml/2006/main">
   <p:cSld>
     <p:spTree>
@@ -7833,7 +8047,7 @@
 </p:sld>
 </file>
 
-<file path=ppt/slides/slide8.xml><?xml version="1.0" encoding="utf-8"?>
+<file path=ppt/slides/slide7.xml><?xml version="1.0" encoding="utf-8"?>
 <p:sld xmlns:a="http://schemas.openxmlformats.org/drawingml/2006/main" xmlns:r="http://schemas.openxmlformats.org/officeDocument/2006/relationships" xmlns:p="http://schemas.openxmlformats.org/presentationml/2006/main">
   <p:cSld>
     <p:spTree>
@@ -8301,6 +8515,296 @@
     <p:extLst>
       <p:ext uri="{BB962C8B-B14F-4D97-AF65-F5344CB8AC3E}">
         <p14:creationId xmlns:p14="http://schemas.microsoft.com/office/powerpoint/2010/main" val="3665446057"/>
+      </p:ext>
+    </p:extLst>
+  </p:cSld>
+  <p:clrMapOvr>
+    <a:masterClrMapping/>
+  </p:clrMapOvr>
+</p:sld>
+</file>
+
+<file path=ppt/slides/slide8.xml><?xml version="1.0" encoding="utf-8"?>
+<p:sld xmlns:a="http://schemas.openxmlformats.org/drawingml/2006/main" xmlns:r="http://schemas.openxmlformats.org/officeDocument/2006/relationships" xmlns:p="http://schemas.openxmlformats.org/presentationml/2006/main">
+  <p:cSld>
+    <p:spTree>
+      <p:nvGrpSpPr>
+        <p:cNvPr id="1" name=""/>
+        <p:cNvGrpSpPr/>
+        <p:nvPr/>
+      </p:nvGrpSpPr>
+      <p:grpSpPr>
+        <a:xfrm>
+          <a:off x="0" y="0"/>
+          <a:ext cx="0" cy="0"/>
+          <a:chOff x="0" y="0"/>
+          <a:chExt cx="0" cy="0"/>
+        </a:xfrm>
+      </p:grpSpPr>
+      <p:sp>
+        <p:nvSpPr>
+          <p:cNvPr id="2" name="Title 1">
+            <a:extLst>
+              <a:ext uri="{FF2B5EF4-FFF2-40B4-BE49-F238E27FC236}">
+                <a16:creationId xmlns:a16="http://schemas.microsoft.com/office/drawing/2014/main" id="{1304778B-541F-47F0-B4AD-F3D8A8938CD3}"/>
+              </a:ext>
+            </a:extLst>
+          </p:cNvPr>
+          <p:cNvSpPr>
+            <a:spLocks noGrp="1"/>
+          </p:cNvSpPr>
+          <p:nvPr>
+            <p:ph type="title"/>
+          </p:nvPr>
+        </p:nvSpPr>
+        <p:spPr>
+          <a:xfrm>
+            <a:off x="646111" y="452718"/>
+            <a:ext cx="9404723" cy="857098"/>
+          </a:xfrm>
+        </p:spPr>
+        <p:txBody>
+          <a:bodyPr/>
+          <a:lstStyle/>
+          <a:p>
+            <a:r>
+              <a:rPr lang="en-GB" dirty="0"/>
+              <a:t>Benchmarks</a:t>
+            </a:r>
+            <a:endParaRPr lang="en-US" dirty="0"/>
+          </a:p>
+        </p:txBody>
+      </p:sp>
+      <p:graphicFrame>
+        <p:nvGraphicFramePr>
+          <p:cNvPr id="6" name="Content Placeholder 5">
+            <a:extLst>
+              <a:ext uri="{FF2B5EF4-FFF2-40B4-BE49-F238E27FC236}">
+                <a16:creationId xmlns:a16="http://schemas.microsoft.com/office/drawing/2014/main" id="{8E20465B-95F8-431A-8B5F-44458E6483EE}"/>
+              </a:ext>
+            </a:extLst>
+          </p:cNvPr>
+          <p:cNvGraphicFramePr>
+            <a:graphicFrameLocks noGrp="1"/>
+          </p:cNvGraphicFramePr>
+          <p:nvPr>
+            <p:ph idx="1"/>
+            <p:extLst>
+              <p:ext uri="{D42A27DB-BD31-4B8C-83A1-F6EECF244321}">
+                <p14:modId xmlns:p14="http://schemas.microsoft.com/office/powerpoint/2010/main" val="3313075118"/>
+              </p:ext>
+            </p:extLst>
+          </p:nvPr>
+        </p:nvGraphicFramePr>
+        <p:xfrm>
+          <a:off x="1103313" y="2306638"/>
+          <a:ext cx="8947150" cy="1849120"/>
+        </p:xfrm>
+        <a:graphic>
+          <a:graphicData uri="http://schemas.openxmlformats.org/drawingml/2006/table">
+            <a:tbl>
+              <a:tblPr firstRow="1" bandRow="1">
+                <a:tableStyleId>{5C22544A-7EE6-4342-B048-85BDC9FD1C3A}</a:tableStyleId>
+              </a:tblPr>
+              <a:tblGrid>
+                <a:gridCol w="4473575">
+                  <a:extLst>
+                    <a:ext uri="{9D8B030D-6E8A-4147-A177-3AD203B41FA5}">
+                      <a16:colId xmlns:a16="http://schemas.microsoft.com/office/drawing/2014/main" val="1410199811"/>
+                    </a:ext>
+                  </a:extLst>
+                </a:gridCol>
+                <a:gridCol w="4473575">
+                  <a:extLst>
+                    <a:ext uri="{9D8B030D-6E8A-4147-A177-3AD203B41FA5}">
+                      <a16:colId xmlns:a16="http://schemas.microsoft.com/office/drawing/2014/main" val="666738647"/>
+                    </a:ext>
+                  </a:extLst>
+                </a:gridCol>
+              </a:tblGrid>
+              <a:tr h="0">
+                <a:tc>
+                  <a:txBody>
+                    <a:bodyPr/>
+                    <a:lstStyle/>
+                    <a:p>
+                      <a:r>
+                        <a:rPr lang="en-GB" dirty="0"/>
+                        <a:t>Benchmark Datasets</a:t>
+                      </a:r>
+                      <a:endParaRPr lang="en-US" dirty="0"/>
+                    </a:p>
+                  </a:txBody>
+                  <a:tcPr/>
+                </a:tc>
+                <a:tc>
+                  <a:txBody>
+                    <a:bodyPr/>
+                    <a:lstStyle/>
+                    <a:p>
+                      <a:r>
+                        <a:rPr lang="en-GB" dirty="0"/>
+                        <a:t>Benchmarks Neural Nets</a:t>
+                      </a:r>
+                      <a:endParaRPr lang="en-US" dirty="0"/>
+                    </a:p>
+                  </a:txBody>
+                  <a:tcPr/>
+                </a:tc>
+                <a:extLst>
+                  <a:ext uri="{0D108BD9-81ED-4DB2-BD59-A6C34878D82A}">
+                    <a16:rowId xmlns:a16="http://schemas.microsoft.com/office/drawing/2014/main" val="585313635"/>
+                  </a:ext>
+                </a:extLst>
+              </a:tr>
+              <a:tr h="370840">
+                <a:tc>
+                  <a:txBody>
+                    <a:bodyPr/>
+                    <a:lstStyle/>
+                    <a:p>
+                      <a:r>
+                        <a:rPr lang="en-GB" dirty="0"/>
+                        <a:t>CIFAR-10</a:t>
+                      </a:r>
+                      <a:endParaRPr lang="en-US" dirty="0"/>
+                    </a:p>
+                  </a:txBody>
+                  <a:tcPr/>
+                </a:tc>
+                <a:tc>
+                  <a:txBody>
+                    <a:bodyPr/>
+                    <a:lstStyle/>
+                    <a:p>
+                      <a:r>
+                        <a:rPr lang="en-GB" dirty="0"/>
+                        <a:t>Inception V1 (GoogleNet)</a:t>
+                      </a:r>
+                      <a:endParaRPr lang="en-US" dirty="0"/>
+                    </a:p>
+                  </a:txBody>
+                  <a:tcPr/>
+                </a:tc>
+                <a:extLst>
+                  <a:ext uri="{0D108BD9-81ED-4DB2-BD59-A6C34878D82A}">
+                    <a16:rowId xmlns:a16="http://schemas.microsoft.com/office/drawing/2014/main" val="363705384"/>
+                  </a:ext>
+                </a:extLst>
+              </a:tr>
+              <a:tr h="370840">
+                <a:tc>
+                  <a:txBody>
+                    <a:bodyPr/>
+                    <a:lstStyle/>
+                    <a:p>
+                      <a:r>
+                        <a:rPr lang="en-GB" dirty="0"/>
+                        <a:t>ILSVRC-2014</a:t>
+                      </a:r>
+                      <a:endParaRPr lang="en-US" dirty="0"/>
+                    </a:p>
+                  </a:txBody>
+                  <a:tcPr/>
+                </a:tc>
+                <a:tc>
+                  <a:txBody>
+                    <a:bodyPr/>
+                    <a:lstStyle/>
+                    <a:p>
+                      <a:r>
+                        <a:rPr lang="en-GB" dirty="0"/>
+                        <a:t>AlexNet</a:t>
+                      </a:r>
+                      <a:endParaRPr lang="en-US" dirty="0"/>
+                    </a:p>
+                  </a:txBody>
+                  <a:tcPr/>
+                </a:tc>
+                <a:extLst>
+                  <a:ext uri="{0D108BD9-81ED-4DB2-BD59-A6C34878D82A}">
+                    <a16:rowId xmlns:a16="http://schemas.microsoft.com/office/drawing/2014/main" val="1206231076"/>
+                  </a:ext>
+                </a:extLst>
+              </a:tr>
+              <a:tr h="370840">
+                <a:tc>
+                  <a:txBody>
+                    <a:bodyPr/>
+                    <a:lstStyle/>
+                    <a:p>
+                      <a:r>
+                        <a:rPr lang="en-GB" dirty="0"/>
+                        <a:t>MNIST</a:t>
+                      </a:r>
+                      <a:endParaRPr lang="en-US" dirty="0"/>
+                    </a:p>
+                  </a:txBody>
+                  <a:tcPr/>
+                </a:tc>
+                <a:tc>
+                  <a:txBody>
+                    <a:bodyPr/>
+                    <a:lstStyle/>
+                    <a:p>
+                      <a:r>
+                        <a:rPr lang="en-GB" dirty="0"/>
+                        <a:t>State-of-the-art CNN</a:t>
+                      </a:r>
+                      <a:endParaRPr lang="en-US" dirty="0"/>
+                    </a:p>
+                  </a:txBody>
+                  <a:tcPr/>
+                </a:tc>
+                <a:extLst>
+                  <a:ext uri="{0D108BD9-81ED-4DB2-BD59-A6C34878D82A}">
+                    <a16:rowId xmlns:a16="http://schemas.microsoft.com/office/drawing/2014/main" val="413608781"/>
+                  </a:ext>
+                </a:extLst>
+              </a:tr>
+              <a:tr h="370840">
+                <a:tc>
+                  <a:txBody>
+                    <a:bodyPr/>
+                    <a:lstStyle/>
+                    <a:p>
+                      <a:r>
+                        <a:rPr lang="en-GB" dirty="0"/>
+                        <a:t>Caltech 101</a:t>
+                      </a:r>
+                      <a:endParaRPr lang="en-US" dirty="0"/>
+                    </a:p>
+                  </a:txBody>
+                  <a:tcPr/>
+                </a:tc>
+                <a:tc>
+                  <a:txBody>
+                    <a:bodyPr/>
+                    <a:lstStyle/>
+                    <a:p>
+                      <a:r>
+                        <a:rPr lang="en-GB" dirty="0"/>
+                        <a:t>ResNet</a:t>
+                      </a:r>
+                      <a:endParaRPr lang="en-US" dirty="0"/>
+                    </a:p>
+                  </a:txBody>
+                  <a:tcPr/>
+                </a:tc>
+                <a:extLst>
+                  <a:ext uri="{0D108BD9-81ED-4DB2-BD59-A6C34878D82A}">
+                    <a16:rowId xmlns:a16="http://schemas.microsoft.com/office/drawing/2014/main" val="1105651094"/>
+                  </a:ext>
+                </a:extLst>
+              </a:tr>
+            </a:tbl>
+          </a:graphicData>
+        </a:graphic>
+      </p:graphicFrame>
+    </p:spTree>
+    <p:extLst>
+      <p:ext uri="{BB962C8B-B14F-4D97-AF65-F5344CB8AC3E}">
+        <p14:creationId xmlns:p14="http://schemas.microsoft.com/office/powerpoint/2010/main" val="606661624"/>
       </p:ext>
     </p:extLst>
   </p:cSld>
@@ -8332,7 +8836,7 @@
           <p:cNvPr id="2" name="Title 1">
             <a:extLst>
               <a:ext uri="{FF2B5EF4-FFF2-40B4-BE49-F238E27FC236}">
-                <a16:creationId xmlns:a16="http://schemas.microsoft.com/office/drawing/2014/main" id="{1304778B-541F-47F0-B4AD-F3D8A8938CD3}"/>
+                <a16:creationId xmlns:a16="http://schemas.microsoft.com/office/drawing/2014/main" id="{9A34378C-0A12-4059-8419-B6CA231FC7F8}"/>
               </a:ext>
             </a:extLst>
           </p:cNvPr>
@@ -8343,320 +8847,135 @@
             <p:ph type="title"/>
           </p:nvPr>
         </p:nvSpPr>
-        <p:spPr>
-          <a:xfrm>
-            <a:off x="646111" y="452718"/>
-            <a:ext cx="9404723" cy="857098"/>
-          </a:xfrm>
-        </p:spPr>
+        <p:spPr/>
         <p:txBody>
           <a:bodyPr/>
           <a:lstStyle/>
           <a:p>
             <a:r>
               <a:rPr lang="en-GB" dirty="0"/>
-              <a:t>Benchmarks</a:t>
-            </a:r>
-            <a:endParaRPr lang="en-US" dirty="0"/>
-          </a:p>
-        </p:txBody>
-      </p:sp>
-      <p:graphicFrame>
-        <p:nvGraphicFramePr>
-          <p:cNvPr id="4" name="Content Placeholder 3">
+              <a:t>References</a:t>
+            </a:r>
+            <a:endParaRPr lang="en-US" dirty="0"/>
+          </a:p>
+        </p:txBody>
+      </p:sp>
+      <p:sp>
+        <p:nvSpPr>
+          <p:cNvPr id="3" name="Content Placeholder 2">
             <a:extLst>
               <a:ext uri="{FF2B5EF4-FFF2-40B4-BE49-F238E27FC236}">
-                <a16:creationId xmlns:a16="http://schemas.microsoft.com/office/drawing/2014/main" id="{BC218FA4-F30E-499A-A456-1302CDCCADE4}"/>
+                <a16:creationId xmlns:a16="http://schemas.microsoft.com/office/drawing/2014/main" id="{39D3C5AC-FEFB-449A-B32B-283160E87F5F}"/>
               </a:ext>
             </a:extLst>
           </p:cNvPr>
-          <p:cNvGraphicFramePr>
-            <a:graphicFrameLocks noGrp="1"/>
-          </p:cNvGraphicFramePr>
+          <p:cNvSpPr>
+            <a:spLocks noGrp="1"/>
+          </p:cNvSpPr>
           <p:nvPr>
             <p:ph idx="1"/>
-            <p:extLst>
-              <p:ext uri="{D42A27DB-BD31-4B8C-83A1-F6EECF244321}">
-                <p14:modId xmlns:p14="http://schemas.microsoft.com/office/powerpoint/2010/main" val="1526869508"/>
-              </p:ext>
-            </p:extLst>
-          </p:nvPr>
-        </p:nvGraphicFramePr>
-        <p:xfrm>
-          <a:off x="1103313" y="2052638"/>
-          <a:ext cx="8947149" cy="1854200"/>
-        </p:xfrm>
-        <a:graphic>
-          <a:graphicData uri="http://schemas.openxmlformats.org/drawingml/2006/table">
-            <a:tbl>
-              <a:tblPr firstRow="1" bandRow="1">
-                <a:tableStyleId>{5C22544A-7EE6-4342-B048-85BDC9FD1C3A}</a:tableStyleId>
-              </a:tblPr>
-              <a:tblGrid>
-                <a:gridCol w="2982383">
-                  <a:extLst>
-                    <a:ext uri="{9D8B030D-6E8A-4147-A177-3AD203B41FA5}">
-                      <a16:colId xmlns:a16="http://schemas.microsoft.com/office/drawing/2014/main" val="1214114556"/>
-                    </a:ext>
-                  </a:extLst>
-                </a:gridCol>
-                <a:gridCol w="2982383">
-                  <a:extLst>
-                    <a:ext uri="{9D8B030D-6E8A-4147-A177-3AD203B41FA5}">
-                      <a16:colId xmlns:a16="http://schemas.microsoft.com/office/drawing/2014/main" val="3588968203"/>
-                    </a:ext>
-                  </a:extLst>
-                </a:gridCol>
-                <a:gridCol w="2982383">
-                  <a:extLst>
-                    <a:ext uri="{9D8B030D-6E8A-4147-A177-3AD203B41FA5}">
-                      <a16:colId xmlns:a16="http://schemas.microsoft.com/office/drawing/2014/main" val="1888639533"/>
-                    </a:ext>
-                  </a:extLst>
-                </a:gridCol>
-              </a:tblGrid>
-              <a:tr h="370840">
-                <a:tc>
-                  <a:txBody>
-                    <a:bodyPr/>
-                    <a:lstStyle/>
-                    <a:p>
-                      <a:r>
-                        <a:rPr lang="en-GB" dirty="0"/>
-                        <a:t>Benchmark Dataset</a:t>
-                      </a:r>
-                      <a:endParaRPr lang="en-US" dirty="0"/>
-                    </a:p>
-                  </a:txBody>
-                  <a:tcPr/>
-                </a:tc>
-                <a:tc>
-                  <a:txBody>
-                    <a:bodyPr/>
-                    <a:lstStyle/>
-                    <a:p>
-                      <a:r>
-                        <a:rPr lang="en-GB" dirty="0"/>
-                        <a:t>Neural Net Type</a:t>
-                      </a:r>
-                      <a:endParaRPr lang="en-US" dirty="0"/>
-                    </a:p>
-                  </a:txBody>
-                  <a:tcPr/>
-                </a:tc>
-                <a:tc>
-                  <a:txBody>
-                    <a:bodyPr/>
-                    <a:lstStyle/>
-                    <a:p>
-                      <a:r>
-                        <a:rPr lang="en-GB" dirty="0"/>
-                        <a:t>Results (Error Rates)</a:t>
-                      </a:r>
-                      <a:endParaRPr lang="en-US" dirty="0"/>
-                    </a:p>
-                  </a:txBody>
-                  <a:tcPr/>
-                </a:tc>
-                <a:extLst>
-                  <a:ext uri="{0D108BD9-81ED-4DB2-BD59-A6C34878D82A}">
-                    <a16:rowId xmlns:a16="http://schemas.microsoft.com/office/drawing/2014/main" val="3234363476"/>
-                  </a:ext>
-                </a:extLst>
-              </a:tr>
-              <a:tr h="370840">
-                <a:tc>
-                  <a:txBody>
-                    <a:bodyPr/>
-                    <a:lstStyle/>
-                    <a:p>
-                      <a:r>
-                        <a:rPr lang="en-GB" dirty="0"/>
-                        <a:t>CIFAR-10</a:t>
-                      </a:r>
-                      <a:endParaRPr lang="en-US" dirty="0"/>
-                    </a:p>
-                  </a:txBody>
-                  <a:tcPr/>
-                </a:tc>
-                <a:tc>
-                  <a:txBody>
-                    <a:bodyPr/>
-                    <a:lstStyle/>
-                    <a:p>
-                      <a:r>
-                        <a:rPr lang="en-GB" dirty="0"/>
-                        <a:t>ResNet</a:t>
-                      </a:r>
-                      <a:endParaRPr lang="en-US" dirty="0"/>
-                    </a:p>
-                  </a:txBody>
-                  <a:tcPr/>
-                </a:tc>
-                <a:tc>
-                  <a:txBody>
-                    <a:bodyPr/>
-                    <a:lstStyle/>
-                    <a:p>
-                      <a:r>
-                        <a:rPr lang="en-GB" dirty="0"/>
-                        <a:t>6.61%</a:t>
-                      </a:r>
-                      <a:endParaRPr lang="en-US" dirty="0"/>
-                    </a:p>
-                  </a:txBody>
-                  <a:tcPr/>
-                </a:tc>
-                <a:extLst>
-                  <a:ext uri="{0D108BD9-81ED-4DB2-BD59-A6C34878D82A}">
-                    <a16:rowId xmlns:a16="http://schemas.microsoft.com/office/drawing/2014/main" val="842583700"/>
-                  </a:ext>
-                </a:extLst>
-              </a:tr>
-              <a:tr h="370840">
-                <a:tc>
-                  <a:txBody>
-                    <a:bodyPr/>
-                    <a:lstStyle/>
-                    <a:p>
-                      <a:endParaRPr lang="en-US" dirty="0"/>
-                    </a:p>
-                  </a:txBody>
-                  <a:tcPr/>
-                </a:tc>
-                <a:tc>
-                  <a:txBody>
-                    <a:bodyPr/>
-                    <a:lstStyle/>
-                    <a:p>
-                      <a:pPr marL="0" marR="0" lvl="0" indent="0" algn="l" defTabSz="457200" rtl="0" eaLnBrk="1" fontAlgn="auto" latinLnBrk="0" hangingPunct="1">
-                        <a:lnSpc>
-                          <a:spcPct val="100000"/>
-                        </a:lnSpc>
-                        <a:spcBef>
-                          <a:spcPts val="0"/>
-                        </a:spcBef>
-                        <a:spcAft>
-                          <a:spcPts val="0"/>
-                        </a:spcAft>
-                        <a:buClrTx/>
-                        <a:buSzTx/>
-                        <a:buFontTx/>
-                        <a:buNone/>
-                        <a:tabLst/>
-                        <a:defRPr/>
-                      </a:pPr>
-                      <a:r>
-                        <a:rPr lang="en-GB" dirty="0"/>
-                        <a:t>MetaQNN</a:t>
-                      </a:r>
-                      <a:endParaRPr lang="en-US" dirty="0"/>
-                    </a:p>
-                  </a:txBody>
-                  <a:tcPr/>
-                </a:tc>
-                <a:tc>
-                  <a:txBody>
-                    <a:bodyPr/>
-                    <a:lstStyle/>
-                    <a:p>
-                      <a:r>
-                        <a:rPr lang="en-GB" dirty="0"/>
-                        <a:t>9.09%</a:t>
-                      </a:r>
-                      <a:endParaRPr lang="en-US" dirty="0"/>
-                    </a:p>
-                  </a:txBody>
-                  <a:tcPr/>
-                </a:tc>
-                <a:extLst>
-                  <a:ext uri="{0D108BD9-81ED-4DB2-BD59-A6C34878D82A}">
-                    <a16:rowId xmlns:a16="http://schemas.microsoft.com/office/drawing/2014/main" val="64164156"/>
-                  </a:ext>
-                </a:extLst>
-              </a:tr>
-              <a:tr h="370840">
-                <a:tc>
-                  <a:txBody>
-                    <a:bodyPr/>
-                    <a:lstStyle/>
-                    <a:p>
-                      <a:endParaRPr lang="en-US" dirty="0"/>
-                    </a:p>
-                  </a:txBody>
-                  <a:tcPr/>
-                </a:tc>
-                <a:tc>
-                  <a:txBody>
-                    <a:bodyPr/>
-                    <a:lstStyle/>
-                    <a:p>
-                      <a:endParaRPr lang="en-US"/>
-                    </a:p>
-                  </a:txBody>
-                  <a:tcPr/>
-                </a:tc>
-                <a:tc>
-                  <a:txBody>
-                    <a:bodyPr/>
-                    <a:lstStyle/>
-                    <a:p>
-                      <a:endParaRPr lang="en-US"/>
-                    </a:p>
-                  </a:txBody>
-                  <a:tcPr/>
-                </a:tc>
-                <a:extLst>
-                  <a:ext uri="{0D108BD9-81ED-4DB2-BD59-A6C34878D82A}">
-                    <a16:rowId xmlns:a16="http://schemas.microsoft.com/office/drawing/2014/main" val="892924078"/>
-                  </a:ext>
-                </a:extLst>
-              </a:tr>
-              <a:tr h="370840">
-                <a:tc>
-                  <a:txBody>
-                    <a:bodyPr/>
-                    <a:lstStyle/>
-                    <a:p>
-                      <a:endParaRPr lang="en-US"/>
-                    </a:p>
-                  </a:txBody>
-                  <a:tcPr/>
-                </a:tc>
-                <a:tc>
-                  <a:txBody>
-                    <a:bodyPr/>
-                    <a:lstStyle/>
-                    <a:p>
-                      <a:endParaRPr lang="en-US"/>
-                    </a:p>
-                  </a:txBody>
-                  <a:tcPr/>
-                </a:tc>
-                <a:tc>
-                  <a:txBody>
-                    <a:bodyPr/>
-                    <a:lstStyle/>
-                    <a:p>
-                      <a:endParaRPr lang="en-US" dirty="0"/>
-                    </a:p>
-                  </a:txBody>
-                  <a:tcPr/>
-                </a:tc>
-                <a:extLst>
-                  <a:ext uri="{0D108BD9-81ED-4DB2-BD59-A6C34878D82A}">
-                    <a16:rowId xmlns:a16="http://schemas.microsoft.com/office/drawing/2014/main" val="2601683243"/>
-                  </a:ext>
-                </a:extLst>
-              </a:tr>
-            </a:tbl>
-          </a:graphicData>
-        </a:graphic>
-      </p:graphicFrame>
+          </p:nvPr>
+        </p:nvSpPr>
+        <p:spPr>
+          <a:xfrm>
+            <a:off x="1104293" y="1606113"/>
+            <a:ext cx="8946541" cy="5532022"/>
+          </a:xfrm>
+        </p:spPr>
+        <p:txBody>
+          <a:bodyPr>
+            <a:normAutofit/>
+          </a:bodyPr>
+          <a:lstStyle/>
+          <a:p>
+            <a:r>
+              <a:rPr lang="en-US" sz="1600" dirty="0">
+                <a:hlinkClick r:id="rId2"/>
+              </a:rPr>
+              <a:t>http://deeplearning.net/datasets/</a:t>
+            </a:r>
+            <a:r>
+              <a:rPr lang="en-US" sz="1600" dirty="0"/>
+              <a:t> (Benchmark Datasets)</a:t>
+            </a:r>
+          </a:p>
+          <a:p>
+            <a:r>
+              <a:rPr lang="en-GB" sz="1600" dirty="0"/>
+              <a:t>Suganuma, M., Shirakawa, S. and Nagao, T. (2017). A genetic programming approach to designing convolutional neural network architectures. </a:t>
+            </a:r>
+            <a:r>
+              <a:rPr lang="en-GB" sz="1600" i="1" dirty="0"/>
+              <a:t>Proceedings of the Genetic and Evolutionary Computation Conference on - GECCO ‘17</a:t>
+            </a:r>
+            <a:r>
+              <a:rPr lang="en-GB" sz="1600" dirty="0"/>
+              <a:t>.</a:t>
+            </a:r>
+          </a:p>
+          <a:p>
+            <a:r>
+              <a:rPr lang="en-GB" sz="1600" dirty="0"/>
+              <a:t>Desell, T. (2017). Large scale evolution of convolutional neural networks using volunteer computing. </a:t>
+            </a:r>
+            <a:r>
+              <a:rPr lang="en-GB" sz="1600" i="1" dirty="0"/>
+              <a:t>Proceedings of the Genetic and Evolutionary Computation Conference Companion on - GECCO ‘17</a:t>
+            </a:r>
+            <a:r>
+              <a:rPr lang="en-GB" sz="1600" dirty="0"/>
+              <a:t>.</a:t>
+            </a:r>
+          </a:p>
+          <a:p>
+            <a:r>
+              <a:rPr lang="en-GB" sz="1600" dirty="0"/>
+              <a:t>Krizhevsky, A., Sutskever, I. and Hinton, G. (2017). ImageNet classification with deep convolutional neural networks. </a:t>
+            </a:r>
+            <a:r>
+              <a:rPr lang="en-GB" sz="1600" i="1" dirty="0"/>
+              <a:t>Communications of the ACM</a:t>
+            </a:r>
+            <a:r>
+              <a:rPr lang="en-GB" sz="1600" dirty="0"/>
+              <a:t>, 60(6), pp.84-90.</a:t>
+            </a:r>
+          </a:p>
+          <a:p>
+            <a:r>
+              <a:rPr lang="en-US" sz="1600" dirty="0"/>
+              <a:t>Wang, B., Sun, Y., Xue, B. and Zhang, M. (2018). Evolving Deep Convolutional Neural Networks by Variable-Length Particle Swarm Optimization for Image Classification. </a:t>
+            </a:r>
+            <a:r>
+              <a:rPr lang="en-US" sz="1600" i="1" dirty="0"/>
+              <a:t>2018 IEEE Congress on Evolutionary Computation (CEC)</a:t>
+            </a:r>
+            <a:r>
+              <a:rPr lang="en-US" sz="1600" dirty="0"/>
+              <a:t>.</a:t>
+            </a:r>
+          </a:p>
+          <a:p>
+            <a:r>
+              <a:rPr lang="en-US" sz="1600" dirty="0"/>
+              <a:t>Kramer, A. and Sangiovanni-Vincentelli, A. (2019). </a:t>
+            </a:r>
+            <a:r>
+              <a:rPr lang="en-US" sz="1600" i="1" dirty="0"/>
+              <a:t>Efficient Parallel Learning Algorithms for Neural Networks</a:t>
+            </a:r>
+            <a:r>
+              <a:rPr lang="en-US" sz="1600" dirty="0"/>
+              <a:t>. [online] Papers.nips.cc. Available at: http://papers.nips.cc/paper/134-efficient-parallel-learning-algorithms-for-neural-networks [Accessed 23 Apr. 2019].</a:t>
+            </a:r>
+            <a:endParaRPr lang="en-US" sz="1200" dirty="0"/>
+          </a:p>
+        </p:txBody>
+      </p:sp>
     </p:spTree>
     <p:extLst>
       <p:ext uri="{BB962C8B-B14F-4D97-AF65-F5344CB8AC3E}">
-        <p14:creationId xmlns:p14="http://schemas.microsoft.com/office/powerpoint/2010/main" val="606661624"/>
+        <p14:creationId xmlns:p14="http://schemas.microsoft.com/office/powerpoint/2010/main" val="906207488"/>
       </p:ext>
     </p:extLst>
   </p:cSld>

--- a/documentation/university-requisite/proposal-presentation/Nature Inspired CNNs Optimization.pptx
+++ b/documentation/university-requisite/proposal-presentation/Nature Inspired CNNs Optimization.pptx
@@ -13,9 +13,9 @@
     <p:sldId id="275" r:id="rId7"/>
     <p:sldId id="271" r:id="rId8"/>
     <p:sldId id="277" r:id="rId9"/>
-    <p:sldId id="278" r:id="rId10"/>
-    <p:sldId id="274" r:id="rId11"/>
-    <p:sldId id="276" r:id="rId12"/>
+    <p:sldId id="274" r:id="rId10"/>
+    <p:sldId id="276" r:id="rId11"/>
+    <p:sldId id="278" r:id="rId12"/>
   </p:sldIdLst>
   <p:sldSz cx="12192000" cy="6858000"/>
   <p:notesSz cx="6858000" cy="9144000"/>
@@ -6391,126 +6391,6 @@
 <file path=ppt/slides/slide10.xml><?xml version="1.0" encoding="utf-8"?>
 <p:sld xmlns:a="http://schemas.openxmlformats.org/drawingml/2006/main" xmlns:r="http://schemas.openxmlformats.org/officeDocument/2006/relationships" xmlns:p="http://schemas.openxmlformats.org/presentationml/2006/main">
   <p:cSld>
-    <p:bg>
-      <p:bgPr>
-        <a:solidFill>
-          <a:schemeClr val="tx1"/>
-        </a:solidFill>
-        <a:effectLst/>
-      </p:bgPr>
-    </p:bg>
-    <p:spTree>
-      <p:nvGrpSpPr>
-        <p:cNvPr id="1" name=""/>
-        <p:cNvGrpSpPr/>
-        <p:nvPr/>
-      </p:nvGrpSpPr>
-      <p:grpSpPr>
-        <a:xfrm>
-          <a:off x="0" y="0"/>
-          <a:ext cx="0" cy="0"/>
-          <a:chOff x="0" y="0"/>
-          <a:chExt cx="0" cy="0"/>
-        </a:xfrm>
-      </p:grpSpPr>
-      <p:pic>
-        <p:nvPicPr>
-          <p:cNvPr id="2" name="Picture 1"/>
-          <p:cNvPicPr>
-            <a:picLocks noChangeAspect="1"/>
-          </p:cNvPicPr>
-          <p:nvPr/>
-        </p:nvPicPr>
-        <p:blipFill>
-          <a:blip r:embed="rId2">
-            <a:extLst>
-              <a:ext uri="{28A0092B-C50C-407E-A947-70E740481C1C}">
-                <a14:useLocalDpi xmlns:a14="http://schemas.microsoft.com/office/drawing/2010/main" val="0"/>
-              </a:ext>
-            </a:extLst>
-          </a:blip>
-          <a:stretch>
-            <a:fillRect/>
-          </a:stretch>
-        </p:blipFill>
-        <p:spPr>
-          <a:xfrm>
-            <a:off x="782073" y="375781"/>
-            <a:ext cx="10058400" cy="6129337"/>
-          </a:xfrm>
-          <a:prstGeom prst="rect">
-            <a:avLst/>
-          </a:prstGeom>
-        </p:spPr>
-      </p:pic>
-      <p:sp>
-        <p:nvSpPr>
-          <p:cNvPr id="3" name="Rectangle 2">
-            <a:extLst>
-              <a:ext uri="{FF2B5EF4-FFF2-40B4-BE49-F238E27FC236}">
-                <a16:creationId xmlns:a16="http://schemas.microsoft.com/office/drawing/2014/main" id="{0592B4E3-05C3-4D5B-8C75-C1E37ED094FA}"/>
-              </a:ext>
-            </a:extLst>
-          </p:cNvPr>
-          <p:cNvSpPr/>
-          <p:nvPr/>
-        </p:nvSpPr>
-        <p:spPr>
-          <a:xfrm>
-            <a:off x="8056605" y="5375189"/>
-            <a:ext cx="3571103" cy="1260389"/>
-          </a:xfrm>
-          <a:prstGeom prst="rect">
-            <a:avLst/>
-          </a:prstGeom>
-          <a:solidFill>
-            <a:schemeClr val="tx1"/>
-          </a:solidFill>
-          <a:ln>
-            <a:noFill/>
-          </a:ln>
-        </p:spPr>
-        <p:style>
-          <a:lnRef idx="2">
-            <a:schemeClr val="accent1">
-              <a:shade val="50000"/>
-            </a:schemeClr>
-          </a:lnRef>
-          <a:fillRef idx="1">
-            <a:schemeClr val="accent1"/>
-          </a:fillRef>
-          <a:effectRef idx="0">
-            <a:schemeClr val="accent1"/>
-          </a:effectRef>
-          <a:fontRef idx="minor">
-            <a:schemeClr val="lt1"/>
-          </a:fontRef>
-        </p:style>
-        <p:txBody>
-          <a:bodyPr rtlCol="0" anchor="ctr"/>
-          <a:lstStyle/>
-          <a:p>
-            <a:pPr algn="ctr"/>
-            <a:endParaRPr lang="en-US"/>
-          </a:p>
-        </p:txBody>
-      </p:sp>
-    </p:spTree>
-    <p:extLst>
-      <p:ext uri="{BB962C8B-B14F-4D97-AF65-F5344CB8AC3E}">
-        <p14:creationId xmlns:p14="http://schemas.microsoft.com/office/powerpoint/2010/main" val="44892983"/>
-      </p:ext>
-    </p:extLst>
-  </p:cSld>
-  <p:clrMapOvr>
-    <a:masterClrMapping/>
-  </p:clrMapOvr>
-</p:sld>
-</file>
-
-<file path=ppt/slides/slide11.xml><?xml version="1.0" encoding="utf-8"?>
-<p:sld xmlns:a="http://schemas.openxmlformats.org/drawingml/2006/main" xmlns:r="http://schemas.openxmlformats.org/officeDocument/2006/relationships" xmlns:p="http://schemas.openxmlformats.org/presentationml/2006/main">
-  <p:cSld>
     <p:spTree>
       <p:nvGrpSpPr>
         <p:cNvPr id="1" name=""/>
@@ -7176,6 +7056,177 @@
 </p:sld>
 </file>
 
+<file path=ppt/slides/slide11.xml><?xml version="1.0" encoding="utf-8"?>
+<p:sld xmlns:a="http://schemas.openxmlformats.org/drawingml/2006/main" xmlns:r="http://schemas.openxmlformats.org/officeDocument/2006/relationships" xmlns:p="http://schemas.openxmlformats.org/presentationml/2006/main">
+  <p:cSld>
+    <p:spTree>
+      <p:nvGrpSpPr>
+        <p:cNvPr id="1" name=""/>
+        <p:cNvGrpSpPr/>
+        <p:nvPr/>
+      </p:nvGrpSpPr>
+      <p:grpSpPr>
+        <a:xfrm>
+          <a:off x="0" y="0"/>
+          <a:ext cx="0" cy="0"/>
+          <a:chOff x="0" y="0"/>
+          <a:chExt cx="0" cy="0"/>
+        </a:xfrm>
+      </p:grpSpPr>
+      <p:sp>
+        <p:nvSpPr>
+          <p:cNvPr id="2" name="Title 1">
+            <a:extLst>
+              <a:ext uri="{FF2B5EF4-FFF2-40B4-BE49-F238E27FC236}">
+                <a16:creationId xmlns:a16="http://schemas.microsoft.com/office/drawing/2014/main" id="{9A34378C-0A12-4059-8419-B6CA231FC7F8}"/>
+              </a:ext>
+            </a:extLst>
+          </p:cNvPr>
+          <p:cNvSpPr>
+            <a:spLocks noGrp="1"/>
+          </p:cNvSpPr>
+          <p:nvPr>
+            <p:ph type="title"/>
+          </p:nvPr>
+        </p:nvSpPr>
+        <p:spPr/>
+        <p:txBody>
+          <a:bodyPr/>
+          <a:lstStyle/>
+          <a:p>
+            <a:r>
+              <a:rPr lang="en-GB" dirty="0"/>
+              <a:t>References</a:t>
+            </a:r>
+            <a:endParaRPr lang="en-US" dirty="0"/>
+          </a:p>
+        </p:txBody>
+      </p:sp>
+      <p:sp>
+        <p:nvSpPr>
+          <p:cNvPr id="3" name="Content Placeholder 2">
+            <a:extLst>
+              <a:ext uri="{FF2B5EF4-FFF2-40B4-BE49-F238E27FC236}">
+                <a16:creationId xmlns:a16="http://schemas.microsoft.com/office/drawing/2014/main" id="{39D3C5AC-FEFB-449A-B32B-283160E87F5F}"/>
+              </a:ext>
+            </a:extLst>
+          </p:cNvPr>
+          <p:cNvSpPr>
+            <a:spLocks noGrp="1"/>
+          </p:cNvSpPr>
+          <p:nvPr>
+            <p:ph idx="1"/>
+          </p:nvPr>
+        </p:nvSpPr>
+        <p:spPr>
+          <a:xfrm>
+            <a:off x="1104293" y="1606113"/>
+            <a:ext cx="8946541" cy="5532022"/>
+          </a:xfrm>
+        </p:spPr>
+        <p:txBody>
+          <a:bodyPr>
+            <a:normAutofit/>
+          </a:bodyPr>
+          <a:lstStyle/>
+          <a:p>
+            <a:r>
+              <a:rPr lang="en-US" sz="1600" dirty="0">
+                <a:hlinkClick r:id="rId2"/>
+              </a:rPr>
+              <a:t>http://deeplearning.net/datasets/</a:t>
+            </a:r>
+            <a:r>
+              <a:rPr lang="en-US" sz="1600" dirty="0"/>
+              <a:t> (Benchmark Datasets)</a:t>
+            </a:r>
+          </a:p>
+          <a:p>
+            <a:r>
+              <a:rPr lang="en-GB" sz="1600" dirty="0"/>
+              <a:t>Suganuma, M., Shirakawa, S. and Nagao, T. (2017). A genetic programming approach to designing convolutional neural network architectures. </a:t>
+            </a:r>
+            <a:r>
+              <a:rPr lang="en-GB" sz="1600" i="1" dirty="0"/>
+              <a:t>Proceedings of the Genetic and Evolutionary Computation Conference on - GECCO ‘17</a:t>
+            </a:r>
+            <a:r>
+              <a:rPr lang="en-GB" sz="1600" dirty="0"/>
+              <a:t>.</a:t>
+            </a:r>
+          </a:p>
+          <a:p>
+            <a:r>
+              <a:rPr lang="en-GB" sz="1600" dirty="0"/>
+              <a:t>Desell, T. (2017). Large scale evolution of convolutional neural networks using volunteer computing. </a:t>
+            </a:r>
+            <a:r>
+              <a:rPr lang="en-GB" sz="1600" i="1" dirty="0"/>
+              <a:t>Proceedings of the Genetic and Evolutionary Computation Conference Companion on - GECCO ‘17</a:t>
+            </a:r>
+            <a:r>
+              <a:rPr lang="en-GB" sz="1600" dirty="0"/>
+              <a:t>.</a:t>
+            </a:r>
+          </a:p>
+          <a:p>
+            <a:r>
+              <a:rPr lang="en-GB" sz="1600" dirty="0"/>
+              <a:t>Krizhevsky, A., Sutskever, I. and Hinton, G. (2017). ImageNet classification with deep convolutional neural networks. </a:t>
+            </a:r>
+            <a:r>
+              <a:rPr lang="en-GB" sz="1600" i="1" dirty="0"/>
+              <a:t>Communications of the ACM</a:t>
+            </a:r>
+            <a:r>
+              <a:rPr lang="en-GB" sz="1600" dirty="0"/>
+              <a:t>, 60(6), pp.84-90.</a:t>
+            </a:r>
+          </a:p>
+          <a:p>
+            <a:r>
+              <a:rPr lang="en-US" sz="1600" dirty="0"/>
+              <a:t>Wang, B., Sun, Y., Xue, B. and Zhang, M. (2018). Evolving Deep Convolutional Neural Networks by Variable-Length Particle Swarm Optimization for Image Classification. </a:t>
+            </a:r>
+            <a:r>
+              <a:rPr lang="en-US" sz="1600" i="1" dirty="0"/>
+              <a:t>2018 IEEE Congress on Evolutionary Computation (CEC)</a:t>
+            </a:r>
+            <a:r>
+              <a:rPr lang="en-US" sz="1600" dirty="0"/>
+              <a:t>.</a:t>
+            </a:r>
+          </a:p>
+          <a:p>
+            <a:r>
+              <a:rPr lang="en-US" sz="1600" dirty="0"/>
+              <a:t>Kramer, A. and Sangiovanni-Vincentelli, A. (2019). </a:t>
+            </a:r>
+            <a:r>
+              <a:rPr lang="en-US" sz="1600" i="1" dirty="0"/>
+              <a:t>Efficient Parallel Learning Algorithms for Neural Networks</a:t>
+            </a:r>
+            <a:r>
+              <a:rPr lang="en-US" sz="1600" dirty="0"/>
+              <a:t>. [online] Papers.nips.cc. Available at: http://papers.nips.cc/paper/134-efficient-parallel-learning-algorithms-for-neural-networks [Accessed 23 Apr. 2019].</a:t>
+            </a:r>
+            <a:endParaRPr lang="en-US" sz="1200" dirty="0"/>
+          </a:p>
+        </p:txBody>
+      </p:sp>
+    </p:spTree>
+    <p:extLst>
+      <p:ext uri="{BB962C8B-B14F-4D97-AF65-F5344CB8AC3E}">
+        <p14:creationId xmlns:p14="http://schemas.microsoft.com/office/powerpoint/2010/main" val="906207488"/>
+      </p:ext>
+    </p:extLst>
+  </p:cSld>
+  <p:clrMapOvr>
+    <a:masterClrMapping/>
+  </p:clrMapOvr>
+</p:sld>
+</file>
+
 <file path=ppt/slides/slide2.xml><?xml version="1.0" encoding="utf-8"?>
 <p:sld xmlns:a="http://schemas.openxmlformats.org/drawingml/2006/main" xmlns:r="http://schemas.openxmlformats.org/officeDocument/2006/relationships" xmlns:p="http://schemas.openxmlformats.org/presentationml/2006/main">
   <p:cSld>
@@ -7260,16 +7311,10 @@
           </a:p>
           <a:p>
             <a:r>
-              <a:rPr lang="en-GB" dirty="0"/>
+              <a:rPr lang="en-GB"/>
               <a:t>Literature Review</a:t>
             </a:r>
-          </a:p>
-          <a:p>
-            <a:pPr lvl="1"/>
-            <a:r>
-              <a:rPr lang="en-GB" dirty="0"/>
-              <a:t>Description</a:t>
-            </a:r>
+            <a:endParaRPr lang="en-GB" dirty="0"/>
           </a:p>
           <a:p>
             <a:r>
@@ -7402,9 +7447,8 @@
             </a:pPr>
             <a:r>
               <a:rPr lang="en-GB" dirty="0"/>
-              <a:t>Automation of CNN initialization for any given dataset with an optimal architecture for best results.</a:t>
-            </a:r>
-            <a:endParaRPr lang="en-US" dirty="0"/>
+              <a:t>Optimizing CNN Architecture by tuning it’s parameters using evolutionary or swarm-based algorithms.</a:t>
+            </a:r>
           </a:p>
         </p:txBody>
       </p:sp>
@@ -7448,7 +7492,12 @@
             <p:ph type="title"/>
           </p:nvPr>
         </p:nvSpPr>
-        <p:spPr/>
+        <p:spPr>
+          <a:xfrm>
+            <a:off x="646111" y="452718"/>
+            <a:ext cx="9404723" cy="740665"/>
+          </a:xfrm>
+        </p:spPr>
         <p:txBody>
           <a:bodyPr/>
           <a:lstStyle/>
@@ -7519,7 +7568,7 @@
           <a:p>
             <a:r>
               <a:rPr lang="en-GB" dirty="0"/>
-              <a:t>Deep Learning Network</a:t>
+              <a:t>Hierarchical Learning Network</a:t>
             </a:r>
           </a:p>
           <a:p>
@@ -7620,10 +7669,10 @@
           <a:lstStyle/>
           <a:p>
             <a:r>
-              <a:rPr lang="en-GB" dirty="0"/>
-              <a:t>Evolutionary Algorithms</a:t>
-            </a:r>
-            <a:endParaRPr lang="en-US" dirty="0"/>
+              <a:rPr lang="en-GB" sz="3600" dirty="0"/>
+              <a:t>Evolutionary/Swarm-based Algorithms</a:t>
+            </a:r>
+            <a:endParaRPr lang="en-US" sz="3600" dirty="0"/>
           </a:p>
         </p:txBody>
       </p:sp>
@@ -7745,7 +7794,12 @@
             <p:ph type="title"/>
           </p:nvPr>
         </p:nvSpPr>
-        <p:spPr/>
+        <p:spPr>
+          <a:xfrm>
+            <a:off x="646111" y="351118"/>
+            <a:ext cx="9404723" cy="944282"/>
+          </a:xfrm>
+        </p:spPr>
         <p:txBody>
           <a:bodyPr/>
           <a:lstStyle/>
@@ -7758,7 +7812,7 @@
               <a:rPr lang="en-GB" dirty="0"/>
             </a:br>
             <a:r>
-              <a:rPr lang="en-GB" sz="2400" dirty="0"/>
+              <a:rPr lang="en-GB" sz="2000" dirty="0"/>
               <a:t>Description</a:t>
             </a:r>
             <a:endParaRPr lang="en-US" dirty="0"/>
@@ -7781,14 +7835,14 @@
             <p:ph idx="1"/>
             <p:extLst>
               <p:ext uri="{D42A27DB-BD31-4B8C-83A1-F6EECF244321}">
-                <p14:modId xmlns:p14="http://schemas.microsoft.com/office/powerpoint/2010/main" val="3265944538"/>
+                <p14:modId xmlns:p14="http://schemas.microsoft.com/office/powerpoint/2010/main" val="3953296265"/>
               </p:ext>
             </p:extLst>
           </p:nvPr>
         </p:nvGraphicFramePr>
         <p:xfrm>
-          <a:off x="1103313" y="1668162"/>
-          <a:ext cx="8947150" cy="4783756"/>
+          <a:off x="646111" y="1741842"/>
+          <a:ext cx="10845799" cy="4663440"/>
         </p:xfrm>
         <a:graphic>
           <a:graphicData uri="http://schemas.openxmlformats.org/drawingml/2006/table">
@@ -7797,22 +7851,29 @@
                 <a:tableStyleId>{5C22544A-7EE6-4342-B048-85BDC9FD1C3A}</a:tableStyleId>
               </a:tblPr>
               <a:tblGrid>
-                <a:gridCol w="4473575">
+                <a:gridCol w="3615266">
                   <a:extLst>
                     <a:ext uri="{9D8B030D-6E8A-4147-A177-3AD203B41FA5}">
                       <a16:colId xmlns:a16="http://schemas.microsoft.com/office/drawing/2014/main" val="2256041494"/>
                     </a:ext>
                   </a:extLst>
                 </a:gridCol>
-                <a:gridCol w="4473575">
+                <a:gridCol w="6086777">
                   <a:extLst>
                     <a:ext uri="{9D8B030D-6E8A-4147-A177-3AD203B41FA5}">
                       <a16:colId xmlns:a16="http://schemas.microsoft.com/office/drawing/2014/main" val="440042597"/>
                     </a:ext>
                   </a:extLst>
                 </a:gridCol>
+                <a:gridCol w="1143756">
+                  <a:extLst>
+                    <a:ext uri="{9D8B030D-6E8A-4147-A177-3AD203B41FA5}">
+                      <a16:colId xmlns:a16="http://schemas.microsoft.com/office/drawing/2014/main" val="1355354273"/>
+                    </a:ext>
+                  </a:extLst>
+                </a:gridCol>
               </a:tblGrid>
-              <a:tr h="403250">
+              <a:tr h="232439">
                 <a:tc>
                   <a:txBody>
                     <a:bodyPr/>
@@ -7841,13 +7902,27 @@
                   </a:txBody>
                   <a:tcPr/>
                 </a:tc>
+                <a:tc>
+                  <a:txBody>
+                    <a:bodyPr/>
+                    <a:lstStyle/>
+                    <a:p>
+                      <a:r>
+                        <a:rPr lang="en-GB" dirty="0"/>
+                        <a:t>Year</a:t>
+                      </a:r>
+                      <a:endParaRPr lang="en-US" dirty="0"/>
+                    </a:p>
+                  </a:txBody>
+                  <a:tcPr/>
+                </a:tc>
                 <a:extLst>
                   <a:ext uri="{0D108BD9-81ED-4DB2-BD59-A6C34878D82A}">
                     <a16:rowId xmlns:a16="http://schemas.microsoft.com/office/drawing/2014/main" val="3776502224"/>
                   </a:ext>
                 </a:extLst>
               </a:tr>
-              <a:tr h="403250">
+              <a:tr h="232439">
                 <a:tc>
                   <a:txBody>
                     <a:bodyPr/>
@@ -7876,13 +7951,27 @@
                   </a:txBody>
                   <a:tcPr/>
                 </a:tc>
+                <a:tc>
+                  <a:txBody>
+                    <a:bodyPr/>
+                    <a:lstStyle/>
+                    <a:p>
+                      <a:r>
+                        <a:rPr lang="en-GB" dirty="0"/>
+                        <a:t>2012</a:t>
+                      </a:r>
+                      <a:endParaRPr lang="en-US" dirty="0"/>
+                    </a:p>
+                  </a:txBody>
+                  <a:tcPr/>
+                </a:tc>
                 <a:extLst>
                   <a:ext uri="{0D108BD9-81ED-4DB2-BD59-A6C34878D82A}">
                     <a16:rowId xmlns:a16="http://schemas.microsoft.com/office/drawing/2014/main" val="3239553507"/>
                   </a:ext>
                 </a:extLst>
               </a:tr>
-              <a:tr h="696020">
+              <a:tr h="559890">
                 <a:tc>
                   <a:txBody>
                     <a:bodyPr/>
@@ -7911,13 +8000,27 @@
                   </a:txBody>
                   <a:tcPr/>
                 </a:tc>
+                <a:tc>
+                  <a:txBody>
+                    <a:bodyPr/>
+                    <a:lstStyle/>
+                    <a:p>
+                      <a:r>
+                        <a:rPr lang="en-GB" dirty="0"/>
+                        <a:t>1989</a:t>
+                      </a:r>
+                      <a:endParaRPr lang="en-US" dirty="0"/>
+                    </a:p>
+                  </a:txBody>
+                  <a:tcPr/>
+                </a:tc>
                 <a:extLst>
                   <a:ext uri="{0D108BD9-81ED-4DB2-BD59-A6C34878D82A}">
                     <a16:rowId xmlns:a16="http://schemas.microsoft.com/office/drawing/2014/main" val="2331205592"/>
                   </a:ext>
                 </a:extLst>
               </a:tr>
-              <a:tr h="994314">
+              <a:tr h="727857">
                 <a:tc>
                   <a:txBody>
                     <a:bodyPr/>
@@ -7946,13 +8049,27 @@
                   </a:txBody>
                   <a:tcPr/>
                 </a:tc>
+                <a:tc>
+                  <a:txBody>
+                    <a:bodyPr/>
+                    <a:lstStyle/>
+                    <a:p>
+                      <a:r>
+                        <a:rPr lang="en-GB" dirty="0"/>
+                        <a:t>2017</a:t>
+                      </a:r>
+                      <a:endParaRPr lang="en-US" dirty="0"/>
+                    </a:p>
+                  </a:txBody>
+                  <a:tcPr/>
+                </a:tc>
                 <a:extLst>
                   <a:ext uri="{0D108BD9-81ED-4DB2-BD59-A6C34878D82A}">
                     <a16:rowId xmlns:a16="http://schemas.microsoft.com/office/drawing/2014/main" val="357150769"/>
                   </a:ext>
                 </a:extLst>
               </a:tr>
-              <a:tr h="994314">
+              <a:tr h="727857">
                 <a:tc>
                   <a:txBody>
                     <a:bodyPr/>
@@ -7981,13 +8098,27 @@
                   </a:txBody>
                   <a:tcPr/>
                 </a:tc>
+                <a:tc>
+                  <a:txBody>
+                    <a:bodyPr/>
+                    <a:lstStyle/>
+                    <a:p>
+                      <a:r>
+                        <a:rPr lang="en-GB" dirty="0"/>
+                        <a:t>2017</a:t>
+                      </a:r>
+                      <a:endParaRPr lang="en-US" dirty="0"/>
+                    </a:p>
+                  </a:txBody>
+                  <a:tcPr/>
+                </a:tc>
                 <a:extLst>
                   <a:ext uri="{0D108BD9-81ED-4DB2-BD59-A6C34878D82A}">
                     <a16:rowId xmlns:a16="http://schemas.microsoft.com/office/drawing/2014/main" val="1185197534"/>
                   </a:ext>
                 </a:extLst>
               </a:tr>
-              <a:tr h="1292608">
+              <a:tr h="1063792">
                 <a:tc>
                   <a:txBody>
                     <a:bodyPr/>
@@ -8018,6 +8149,20 @@
                       <a:r>
                         <a:rPr lang="en-GB" dirty="0"/>
                         <a:t>Using Particle swarm optimization with an IP-inspired encoding strategy to find an optimal architecture for a given dataset.</a:t>
+                      </a:r>
+                      <a:endParaRPr lang="en-US" dirty="0"/>
+                    </a:p>
+                  </a:txBody>
+                  <a:tcPr/>
+                </a:tc>
+                <a:tc>
+                  <a:txBody>
+                    <a:bodyPr/>
+                    <a:lstStyle/>
+                    <a:p>
+                      <a:r>
+                        <a:rPr lang="en-GB" dirty="0"/>
+                        <a:t>2018</a:t>
                       </a:r>
                       <a:endParaRPr lang="en-US" dirty="0"/>
                     </a:p>
@@ -8100,7 +8245,7 @@
         <p:spPr>
           <a:xfrm>
             <a:off x="1104293" y="1331259"/>
-            <a:ext cx="8946541" cy="1535509"/>
+            <a:ext cx="8946541" cy="884719"/>
           </a:xfrm>
         </p:spPr>
         <p:txBody>
@@ -8110,12 +8255,6 @@
             <a:r>
               <a:rPr lang="en-GB" dirty="0"/>
               <a:t>Hybrid Approach Combining All Previously Mentioned Approaches</a:t>
-            </a:r>
-          </a:p>
-          <a:p>
-            <a:r>
-              <a:rPr lang="en-GB" dirty="0"/>
-              <a:t>Provided a UI for Ease of Access to Users and Better Usability</a:t>
             </a:r>
           </a:p>
           <a:p>
@@ -8143,7 +8282,7 @@
         </p:nvSpPr>
         <p:spPr>
           <a:xfrm>
-            <a:off x="646111" y="2860590"/>
+            <a:off x="646111" y="2175554"/>
             <a:ext cx="9404723" cy="884719"/>
           </a:xfrm>
           <a:prstGeom prst="rect">
@@ -8250,7 +8389,7 @@
         </p:nvSpPr>
         <p:spPr>
           <a:xfrm>
-            <a:off x="1104293" y="3745309"/>
+            <a:off x="1104292" y="2909214"/>
             <a:ext cx="8946541" cy="1400530"/>
           </a:xfrm>
           <a:prstGeom prst="rect">
@@ -8496,12 +8635,6 @@
           </a:p>
           <a:p>
             <a:r>
-              <a:rPr lang="en-GB" dirty="0"/>
-              <a:t>Addition of an interface for users</a:t>
-            </a:r>
-          </a:p>
-          <a:p>
-            <a:r>
               <a:rPr lang="en-US" dirty="0"/>
               <a:t>Parallel working efficiency</a:t>
             </a:r>
@@ -8511,6 +8644,196 @@
           </a:p>
         </p:txBody>
       </p:sp>
+      <p:graphicFrame>
+        <p:nvGraphicFramePr>
+          <p:cNvPr id="8" name="Table 7">
+            <a:extLst>
+              <a:ext uri="{FF2B5EF4-FFF2-40B4-BE49-F238E27FC236}">
+                <a16:creationId xmlns:a16="http://schemas.microsoft.com/office/drawing/2014/main" id="{70E86FA0-13F9-4D47-8A0C-6D3867BF38A1}"/>
+              </a:ext>
+            </a:extLst>
+          </p:cNvPr>
+          <p:cNvGraphicFramePr>
+            <a:graphicFrameLocks noGrp="1"/>
+          </p:cNvGraphicFramePr>
+          <p:nvPr>
+            <p:extLst>
+              <p:ext uri="{D42A27DB-BD31-4B8C-83A1-F6EECF244321}">
+                <p14:modId xmlns:p14="http://schemas.microsoft.com/office/powerpoint/2010/main" val="160892893"/>
+              </p:ext>
+            </p:extLst>
+          </p:nvPr>
+        </p:nvGraphicFramePr>
+        <p:xfrm>
+          <a:off x="820617" y="4017957"/>
+          <a:ext cx="9513890" cy="2560320"/>
+        </p:xfrm>
+        <a:graphic>
+          <a:graphicData uri="http://schemas.openxmlformats.org/drawingml/2006/table">
+            <a:tbl>
+              <a:tblPr firstRow="1" bandRow="1">
+                <a:tableStyleId>{5C22544A-7EE6-4342-B048-85BDC9FD1C3A}</a:tableStyleId>
+              </a:tblPr>
+              <a:tblGrid>
+                <a:gridCol w="4756945">
+                  <a:extLst>
+                    <a:ext uri="{9D8B030D-6E8A-4147-A177-3AD203B41FA5}">
+                      <a16:colId xmlns:a16="http://schemas.microsoft.com/office/drawing/2014/main" val="179065053"/>
+                    </a:ext>
+                  </a:extLst>
+                </a:gridCol>
+                <a:gridCol w="4756945">
+                  <a:extLst>
+                    <a:ext uri="{9D8B030D-6E8A-4147-A177-3AD203B41FA5}">
+                      <a16:colId xmlns:a16="http://schemas.microsoft.com/office/drawing/2014/main" val="60276597"/>
+                    </a:ext>
+                  </a:extLst>
+                </a:gridCol>
+              </a:tblGrid>
+              <a:tr h="0">
+                <a:tc>
+                  <a:txBody>
+                    <a:bodyPr/>
+                    <a:lstStyle/>
+                    <a:p>
+                      <a:r>
+                        <a:rPr lang="en-GB" dirty="0"/>
+                        <a:t>Related Work</a:t>
+                      </a:r>
+                      <a:endParaRPr lang="en-US" dirty="0"/>
+                    </a:p>
+                  </a:txBody>
+                  <a:tcPr/>
+                </a:tc>
+                <a:tc>
+                  <a:txBody>
+                    <a:bodyPr/>
+                    <a:lstStyle/>
+                    <a:p>
+                      <a:r>
+                        <a:rPr lang="en-GB" dirty="0"/>
+                        <a:t>Parameters Tuned</a:t>
+                      </a:r>
+                      <a:endParaRPr lang="en-US" dirty="0"/>
+                    </a:p>
+                  </a:txBody>
+                  <a:tcPr/>
+                </a:tc>
+                <a:extLst>
+                  <a:ext uri="{0D108BD9-81ED-4DB2-BD59-A6C34878D82A}">
+                    <a16:rowId xmlns:a16="http://schemas.microsoft.com/office/drawing/2014/main" val="1214166635"/>
+                  </a:ext>
+                </a:extLst>
+              </a:tr>
+              <a:tr h="0">
+                <a:tc>
+                  <a:txBody>
+                    <a:bodyPr/>
+                    <a:lstStyle/>
+                    <a:p>
+                      <a:r>
+                        <a:rPr lang="en-GB" dirty="0"/>
+                        <a:t>CGP [2]</a:t>
+                      </a:r>
+                      <a:endParaRPr lang="en-US" dirty="0"/>
+                    </a:p>
+                  </a:txBody>
+                  <a:tcPr/>
+                </a:tc>
+                <a:tc>
+                  <a:txBody>
+                    <a:bodyPr/>
+                    <a:lstStyle/>
+                    <a:p>
+                      <a:r>
+                        <a:rPr lang="en-GB" dirty="0"/>
+                        <a:t>Activation functions, convolution, pooling </a:t>
+                      </a:r>
+                      <a:endParaRPr lang="en-US" dirty="0"/>
+                    </a:p>
+                  </a:txBody>
+                  <a:tcPr/>
+                </a:tc>
+                <a:extLst>
+                  <a:ext uri="{0D108BD9-81ED-4DB2-BD59-A6C34878D82A}">
+                    <a16:rowId xmlns:a16="http://schemas.microsoft.com/office/drawing/2014/main" val="1935650477"/>
+                  </a:ext>
+                </a:extLst>
+              </a:tr>
+              <a:tr h="0">
+                <a:tc>
+                  <a:txBody>
+                    <a:bodyPr/>
+                    <a:lstStyle/>
+                    <a:p>
+                      <a:r>
+                        <a:rPr lang="en-GB" dirty="0"/>
+                        <a:t>IP.PSO [5]</a:t>
+                      </a:r>
+                      <a:endParaRPr lang="en-US" dirty="0"/>
+                    </a:p>
+                  </a:txBody>
+                  <a:tcPr/>
+                </a:tc>
+                <a:tc>
+                  <a:txBody>
+                    <a:bodyPr/>
+                    <a:lstStyle/>
+                    <a:p>
+                      <a:r>
+                        <a:rPr lang="en-GB" dirty="0"/>
+                        <a:t>Convolutional, pooling and fully connected layers, activation functions, kernel sizes, number of neurons.</a:t>
+                      </a:r>
+                      <a:endParaRPr lang="en-US" dirty="0"/>
+                    </a:p>
+                  </a:txBody>
+                  <a:tcPr/>
+                </a:tc>
+                <a:extLst>
+                  <a:ext uri="{0D108BD9-81ED-4DB2-BD59-A6C34878D82A}">
+                    <a16:rowId xmlns:a16="http://schemas.microsoft.com/office/drawing/2014/main" val="3812889938"/>
+                  </a:ext>
+                </a:extLst>
+              </a:tr>
+              <a:tr h="0">
+                <a:tc>
+                  <a:txBody>
+                    <a:bodyPr/>
+                    <a:lstStyle/>
+                    <a:p>
+                      <a:r>
+                        <a:rPr lang="en-GB" dirty="0"/>
+                        <a:t>EXACT [3]</a:t>
+                      </a:r>
+                      <a:endParaRPr lang="en-US" dirty="0"/>
+                    </a:p>
+                  </a:txBody>
+                  <a:tcPr/>
+                </a:tc>
+                <a:tc>
+                  <a:txBody>
+                    <a:bodyPr/>
+                    <a:lstStyle/>
+                    <a:p>
+                      <a:r>
+                        <a:rPr lang="en-GB" dirty="0"/>
+                        <a:t>Filter sizes and convolutional layer connections.</a:t>
+                      </a:r>
+                      <a:endParaRPr lang="en-US" dirty="0"/>
+                    </a:p>
+                  </a:txBody>
+                  <a:tcPr/>
+                </a:tc>
+                <a:extLst>
+                  <a:ext uri="{0D108BD9-81ED-4DB2-BD59-A6C34878D82A}">
+                    <a16:rowId xmlns:a16="http://schemas.microsoft.com/office/drawing/2014/main" val="1763506751"/>
+                  </a:ext>
+                </a:extLst>
+              </a:tr>
+            </a:tbl>
+          </a:graphicData>
+        </a:graphic>
+      </p:graphicFrame>
     </p:spTree>
     <p:extLst>
       <p:ext uri="{BB962C8B-B14F-4D97-AF65-F5344CB8AC3E}">
@@ -8817,6 +9140,14 @@
 <file path=ppt/slides/slide9.xml><?xml version="1.0" encoding="utf-8"?>
 <p:sld xmlns:a="http://schemas.openxmlformats.org/drawingml/2006/main" xmlns:r="http://schemas.openxmlformats.org/officeDocument/2006/relationships" xmlns:p="http://schemas.openxmlformats.org/presentationml/2006/main">
   <p:cSld>
+    <p:bg>
+      <p:bgPr>
+        <a:solidFill>
+          <a:schemeClr val="tx1"/>
+        </a:solidFill>
+        <a:effectLst/>
+      </p:bgPr>
+    </p:bg>
     <p:spTree>
       <p:nvGrpSpPr>
         <p:cNvPr id="1" name=""/>
@@ -8831,151 +9162,92 @@
           <a:chExt cx="0" cy="0"/>
         </a:xfrm>
       </p:grpSpPr>
-      <p:sp>
-        <p:nvSpPr>
-          <p:cNvPr id="2" name="Title 1">
+      <p:pic>
+        <p:nvPicPr>
+          <p:cNvPr id="2" name="Picture 1"/>
+          <p:cNvPicPr>
+            <a:picLocks noChangeAspect="1"/>
+          </p:cNvPicPr>
+          <p:nvPr/>
+        </p:nvPicPr>
+        <p:blipFill>
+          <a:blip r:embed="rId2">
+            <a:extLst>
+              <a:ext uri="{28A0092B-C50C-407E-A947-70E740481C1C}">
+                <a14:useLocalDpi xmlns:a14="http://schemas.microsoft.com/office/drawing/2010/main" val="0"/>
+              </a:ext>
+            </a:extLst>
+          </a:blip>
+          <a:stretch>
+            <a:fillRect/>
+          </a:stretch>
+        </p:blipFill>
+        <p:spPr>
+          <a:xfrm>
+            <a:off x="782073" y="375781"/>
+            <a:ext cx="10058400" cy="6129337"/>
+          </a:xfrm>
+          <a:prstGeom prst="rect">
+            <a:avLst/>
+          </a:prstGeom>
+        </p:spPr>
+      </p:pic>
+      <p:sp>
+        <p:nvSpPr>
+          <p:cNvPr id="3" name="Rectangle 2">
             <a:extLst>
               <a:ext uri="{FF2B5EF4-FFF2-40B4-BE49-F238E27FC236}">
-                <a16:creationId xmlns:a16="http://schemas.microsoft.com/office/drawing/2014/main" id="{9A34378C-0A12-4059-8419-B6CA231FC7F8}"/>
+                <a16:creationId xmlns:a16="http://schemas.microsoft.com/office/drawing/2014/main" id="{0592B4E3-05C3-4D5B-8C75-C1E37ED094FA}"/>
               </a:ext>
             </a:extLst>
           </p:cNvPr>
-          <p:cNvSpPr>
-            <a:spLocks noGrp="1"/>
-          </p:cNvSpPr>
-          <p:nvPr>
-            <p:ph type="title"/>
-          </p:nvPr>
-        </p:nvSpPr>
-        <p:spPr/>
-        <p:txBody>
-          <a:bodyPr/>
-          <a:lstStyle/>
-          <a:p>
-            <a:r>
-              <a:rPr lang="en-GB" dirty="0"/>
-              <a:t>References</a:t>
-            </a:r>
-            <a:endParaRPr lang="en-US" dirty="0"/>
-          </a:p>
-        </p:txBody>
-      </p:sp>
-      <p:sp>
-        <p:nvSpPr>
-          <p:cNvPr id="3" name="Content Placeholder 2">
-            <a:extLst>
-              <a:ext uri="{FF2B5EF4-FFF2-40B4-BE49-F238E27FC236}">
-                <a16:creationId xmlns:a16="http://schemas.microsoft.com/office/drawing/2014/main" id="{39D3C5AC-FEFB-449A-B32B-283160E87F5F}"/>
-              </a:ext>
-            </a:extLst>
-          </p:cNvPr>
-          <p:cNvSpPr>
-            <a:spLocks noGrp="1"/>
-          </p:cNvSpPr>
-          <p:nvPr>
-            <p:ph idx="1"/>
-          </p:nvPr>
+          <p:cNvSpPr/>
+          <p:nvPr/>
         </p:nvSpPr>
         <p:spPr>
           <a:xfrm>
-            <a:off x="1104293" y="1606113"/>
-            <a:ext cx="8946541" cy="5532022"/>
+            <a:off x="8056605" y="5375189"/>
+            <a:ext cx="3571103" cy="1260389"/>
           </a:xfrm>
+          <a:prstGeom prst="rect">
+            <a:avLst/>
+          </a:prstGeom>
+          <a:solidFill>
+            <a:schemeClr val="tx1"/>
+          </a:solidFill>
+          <a:ln>
+            <a:noFill/>
+          </a:ln>
         </p:spPr>
-        <p:txBody>
-          <a:bodyPr>
-            <a:normAutofit/>
-          </a:bodyPr>
+        <p:style>
+          <a:lnRef idx="2">
+            <a:schemeClr val="accent1">
+              <a:shade val="50000"/>
+            </a:schemeClr>
+          </a:lnRef>
+          <a:fillRef idx="1">
+            <a:schemeClr val="accent1"/>
+          </a:fillRef>
+          <a:effectRef idx="0">
+            <a:schemeClr val="accent1"/>
+          </a:effectRef>
+          <a:fontRef idx="minor">
+            <a:schemeClr val="lt1"/>
+          </a:fontRef>
+        </p:style>
+        <p:txBody>
+          <a:bodyPr rtlCol="0" anchor="ctr"/>
           <a:lstStyle/>
           <a:p>
-            <a:r>
-              <a:rPr lang="en-US" sz="1600" dirty="0">
-                <a:hlinkClick r:id="rId2"/>
-              </a:rPr>
-              <a:t>http://deeplearning.net/datasets/</a:t>
-            </a:r>
-            <a:r>
-              <a:rPr lang="en-US" sz="1600" dirty="0"/>
-              <a:t> (Benchmark Datasets)</a:t>
-            </a:r>
-          </a:p>
-          <a:p>
-            <a:r>
-              <a:rPr lang="en-GB" sz="1600" dirty="0"/>
-              <a:t>Suganuma, M., Shirakawa, S. and Nagao, T. (2017). A genetic programming approach to designing convolutional neural network architectures. </a:t>
-            </a:r>
-            <a:r>
-              <a:rPr lang="en-GB" sz="1600" i="1" dirty="0"/>
-              <a:t>Proceedings of the Genetic and Evolutionary Computation Conference on - GECCO ‘17</a:t>
-            </a:r>
-            <a:r>
-              <a:rPr lang="en-GB" sz="1600" dirty="0"/>
-              <a:t>.</a:t>
-            </a:r>
-          </a:p>
-          <a:p>
-            <a:r>
-              <a:rPr lang="en-GB" sz="1600" dirty="0"/>
-              <a:t>Desell, T. (2017). Large scale evolution of convolutional neural networks using volunteer computing. </a:t>
-            </a:r>
-            <a:r>
-              <a:rPr lang="en-GB" sz="1600" i="1" dirty="0"/>
-              <a:t>Proceedings of the Genetic and Evolutionary Computation Conference Companion on - GECCO ‘17</a:t>
-            </a:r>
-            <a:r>
-              <a:rPr lang="en-GB" sz="1600" dirty="0"/>
-              <a:t>.</a:t>
-            </a:r>
-          </a:p>
-          <a:p>
-            <a:r>
-              <a:rPr lang="en-GB" sz="1600" dirty="0"/>
-              <a:t>Krizhevsky, A., Sutskever, I. and Hinton, G. (2017). ImageNet classification with deep convolutional neural networks. </a:t>
-            </a:r>
-            <a:r>
-              <a:rPr lang="en-GB" sz="1600" i="1" dirty="0"/>
-              <a:t>Communications of the ACM</a:t>
-            </a:r>
-            <a:r>
-              <a:rPr lang="en-GB" sz="1600" dirty="0"/>
-              <a:t>, 60(6), pp.84-90.</a:t>
-            </a:r>
-          </a:p>
-          <a:p>
-            <a:r>
-              <a:rPr lang="en-US" sz="1600" dirty="0"/>
-              <a:t>Wang, B., Sun, Y., Xue, B. and Zhang, M. (2018). Evolving Deep Convolutional Neural Networks by Variable-Length Particle Swarm Optimization for Image Classification. </a:t>
-            </a:r>
-            <a:r>
-              <a:rPr lang="en-US" sz="1600" i="1" dirty="0"/>
-              <a:t>2018 IEEE Congress on Evolutionary Computation (CEC)</a:t>
-            </a:r>
-            <a:r>
-              <a:rPr lang="en-US" sz="1600" dirty="0"/>
-              <a:t>.</a:t>
-            </a:r>
-          </a:p>
-          <a:p>
-            <a:r>
-              <a:rPr lang="en-US" sz="1600" dirty="0"/>
-              <a:t>Kramer, A. and Sangiovanni-Vincentelli, A. (2019). </a:t>
-            </a:r>
-            <a:r>
-              <a:rPr lang="en-US" sz="1600" i="1" dirty="0"/>
-              <a:t>Efficient Parallel Learning Algorithms for Neural Networks</a:t>
-            </a:r>
-            <a:r>
-              <a:rPr lang="en-US" sz="1600" dirty="0"/>
-              <a:t>. [online] Papers.nips.cc. Available at: http://papers.nips.cc/paper/134-efficient-parallel-learning-algorithms-for-neural-networks [Accessed 23 Apr. 2019].</a:t>
-            </a:r>
-            <a:endParaRPr lang="en-US" sz="1200" dirty="0"/>
+            <a:pPr algn="ctr"/>
+            <a:endParaRPr lang="en-US"/>
           </a:p>
         </p:txBody>
       </p:sp>
     </p:spTree>
     <p:extLst>
       <p:ext uri="{BB962C8B-B14F-4D97-AF65-F5344CB8AC3E}">
-        <p14:creationId xmlns:p14="http://schemas.microsoft.com/office/powerpoint/2010/main" val="906207488"/>
+        <p14:creationId xmlns:p14="http://schemas.microsoft.com/office/powerpoint/2010/main" val="44892983"/>
       </p:ext>
     </p:extLst>
   </p:cSld>

--- a/documentation/university-requisite/proposal-presentation/Nature Inspired CNNs Optimization.pptx
+++ b/documentation/university-requisite/proposal-presentation/Nature Inspired CNNs Optimization.pptx
@@ -8390,7 +8390,7 @@
         <p:spPr>
           <a:xfrm>
             <a:off x="1104292" y="2909214"/>
-            <a:ext cx="8946541" cy="1400530"/>
+            <a:ext cx="8946541" cy="884719"/>
           </a:xfrm>
           <a:prstGeom prst="rect">
             <a:avLst/>
@@ -8636,7 +8636,7 @@
           <a:p>
             <a:r>
               <a:rPr lang="en-US" dirty="0"/>
-              <a:t>Parallel working efficiency</a:t>
+              <a:t>Parallel Working Efficiency</a:t>
             </a:r>
           </a:p>
           <a:p>
